--- a/RecogSlide.pptx
+++ b/RecogSlide.pptx
@@ -5,7 +5,7 @@
     <p:sldMasterId id="2147484176" r:id="rId1"/>
   </p:sldMasterIdLst>
   <p:notesMasterIdLst>
-    <p:notesMasterId r:id="rId30"/>
+    <p:notesMasterId r:id="rId33"/>
   </p:notesMasterIdLst>
   <p:sldIdLst>
     <p:sldId id="258" r:id="rId2"/>
@@ -22,20 +22,23 @@
     <p:sldId id="290" r:id="rId13"/>
     <p:sldId id="291" r:id="rId14"/>
     <p:sldId id="292" r:id="rId15"/>
-    <p:sldId id="274" r:id="rId16"/>
-    <p:sldId id="279" r:id="rId17"/>
-    <p:sldId id="280" r:id="rId18"/>
-    <p:sldId id="281" r:id="rId19"/>
-    <p:sldId id="282" r:id="rId20"/>
-    <p:sldId id="283" r:id="rId21"/>
-    <p:sldId id="284" r:id="rId22"/>
-    <p:sldId id="275" r:id="rId23"/>
-    <p:sldId id="276" r:id="rId24"/>
-    <p:sldId id="288" r:id="rId25"/>
-    <p:sldId id="277" r:id="rId26"/>
-    <p:sldId id="278" r:id="rId27"/>
-    <p:sldId id="287" r:id="rId28"/>
-    <p:sldId id="286" r:id="rId29"/>
+    <p:sldId id="295" r:id="rId16"/>
+    <p:sldId id="294" r:id="rId17"/>
+    <p:sldId id="296" r:id="rId18"/>
+    <p:sldId id="293" r:id="rId19"/>
+    <p:sldId id="279" r:id="rId20"/>
+    <p:sldId id="280" r:id="rId21"/>
+    <p:sldId id="281" r:id="rId22"/>
+    <p:sldId id="282" r:id="rId23"/>
+    <p:sldId id="283" r:id="rId24"/>
+    <p:sldId id="284" r:id="rId25"/>
+    <p:sldId id="275" r:id="rId26"/>
+    <p:sldId id="276" r:id="rId27"/>
+    <p:sldId id="288" r:id="rId28"/>
+    <p:sldId id="277" r:id="rId29"/>
+    <p:sldId id="278" r:id="rId30"/>
+    <p:sldId id="287" r:id="rId31"/>
+    <p:sldId id="286" r:id="rId32"/>
   </p:sldIdLst>
   <p:sldSz cx="9144000" cy="6858000" type="screen4x3"/>
   <p:notesSz cx="6858000" cy="9144000"/>
@@ -1138,89 +1141,7 @@
           </a:bodyPr>
           <a:lstStyle/>
           <a:p>
-            <a:r>
-              <a:rPr kumimoji="1" lang="en-US" altLang="ja-JP" sz="1050" i="0" kern="1200" baseline="0" dirty="0" smtClean="0">
-                <a:solidFill>
-                  <a:schemeClr val="tx1"/>
-                </a:solidFill>
-                <a:latin typeface="+mj-ea"/>
-                <a:ea typeface="+mj-ea"/>
-                <a:cs typeface="+mn-cs"/>
-              </a:rPr>
-              <a:t>z1 </a:t>
-            </a:r>
-            <a:r>
-              <a:rPr kumimoji="1" lang="ja-JP" altLang="en-US" sz="1050" i="0" kern="1200" baseline="0" dirty="0" smtClean="0">
-                <a:solidFill>
-                  <a:schemeClr val="tx1"/>
-                </a:solidFill>
-                <a:latin typeface="+mj-ea"/>
-                <a:ea typeface="+mj-ea"/>
-                <a:cs typeface="+mn-cs"/>
-              </a:rPr>
-              <a:t>軸と直交する</a:t>
-            </a:r>
-            <a:r>
-              <a:rPr kumimoji="1" lang="en-US" altLang="ja-JP" sz="1050" i="0" kern="1200" baseline="0" dirty="0" smtClean="0">
-                <a:solidFill>
-                  <a:schemeClr val="tx1"/>
-                </a:solidFill>
-                <a:latin typeface="+mj-ea"/>
-                <a:ea typeface="+mj-ea"/>
-                <a:cs typeface="+mn-cs"/>
-              </a:rPr>
-              <a:t>z2 </a:t>
-            </a:r>
-            <a:r>
-              <a:rPr kumimoji="1" lang="ja-JP" altLang="en-US" sz="1050" i="0" kern="1200" baseline="0" dirty="0" smtClean="0">
-                <a:solidFill>
-                  <a:schemeClr val="tx1"/>
-                </a:solidFill>
-                <a:latin typeface="+mj-ea"/>
-                <a:ea typeface="+mj-ea"/>
-                <a:cs typeface="+mn-cs"/>
-              </a:rPr>
-              <a:t>軸を考える．この</a:t>
-            </a:r>
-            <a:r>
-              <a:rPr kumimoji="1" lang="en-US" altLang="ja-JP" sz="1050" i="0" kern="1200" baseline="0" dirty="0" smtClean="0">
-                <a:solidFill>
-                  <a:schemeClr val="tx1"/>
-                </a:solidFill>
-                <a:latin typeface="+mj-ea"/>
-                <a:ea typeface="+mj-ea"/>
-                <a:cs typeface="+mn-cs"/>
-              </a:rPr>
-              <a:t>z2 </a:t>
-            </a:r>
-            <a:r>
-              <a:rPr kumimoji="1" lang="ja-JP" altLang="en-US" sz="1050" i="0" kern="1200" baseline="0" dirty="0" smtClean="0">
-                <a:solidFill>
-                  <a:schemeClr val="tx1"/>
-                </a:solidFill>
-                <a:latin typeface="+mj-ea"/>
-                <a:ea typeface="+mj-ea"/>
-                <a:cs typeface="+mn-cs"/>
-              </a:rPr>
-              <a:t>軸は「肥満の程度」を表していると解釈できる．このように，「身長」や「体重」といった変</a:t>
-            </a:r>
-          </a:p>
-          <a:p>
-            <a:r>
-              <a:rPr kumimoji="1" lang="ja-JP" altLang="en-US" sz="1050" kern="1200" baseline="0" dirty="0" smtClean="0">
-                <a:solidFill>
-                  <a:schemeClr val="tx1"/>
-                </a:solidFill>
-                <a:latin typeface="+mj-ea"/>
-                <a:ea typeface="+mj-ea"/>
-                <a:cs typeface="+mn-cs"/>
-              </a:rPr>
-              <a:t>数を独立に扱うのではなく，「体の大きさ」や「肥満の程度」といった総合的な指標を導入することによって，データに含まれる変数間の関係や特徴が容易に把握できるようになる．</a:t>
-            </a:r>
-            <a:endParaRPr kumimoji="1" lang="ja-JP" altLang="en-US" sz="1050" dirty="0">
-              <a:latin typeface="+mj-ea"/>
-              <a:ea typeface="+mj-ea"/>
-            </a:endParaRPr>
+            <a:endParaRPr kumimoji="1" lang="ja-JP" altLang="en-US"/>
           </a:p>
         </p:txBody>
       </p:sp>
@@ -1239,10 +1160,10 @@
           <a:bodyPr/>
           <a:lstStyle/>
           <a:p>
-            <a:fld id="{957A6EC6-1031-4AF9-9124-7E0D47C92A6C}" type="slidenum">
+            <a:fld id="{64FDD948-B2C9-4517-8A79-C50DCD1B22EF}" type="slidenum">
               <a:rPr kumimoji="1" lang="ja-JP" altLang="en-US" smtClean="0"/>
               <a:pPr/>
-              <a:t>17</a:t>
+              <a:t>16</a:t>
             </a:fld>
             <a:endParaRPr kumimoji="1" lang="ja-JP" altLang="en-US"/>
           </a:p>
@@ -1302,17 +1223,7 @@
           </a:bodyPr>
           <a:lstStyle/>
           <a:p>
-            <a:r>
-              <a:rPr kumimoji="1" lang="en-US" altLang="ja-JP" dirty="0" err="1" smtClean="0"/>
-              <a:t>V,U,lambda</a:t>
-            </a:r>
-            <a:r>
-              <a:rPr kumimoji="1" lang="en-US" altLang="ja-JP" baseline="0" dirty="0" smtClean="0"/>
-              <a:t> : M×M</a:t>
-            </a:r>
-          </a:p>
-          <a:p>
-            <a:endParaRPr kumimoji="1" lang="ja-JP" altLang="en-US" dirty="0"/>
+            <a:endParaRPr kumimoji="1" lang="ja-JP" altLang="en-US"/>
           </a:p>
         </p:txBody>
       </p:sp>
@@ -1331,10 +1242,10 @@
           <a:bodyPr/>
           <a:lstStyle/>
           <a:p>
-            <a:fld id="{957A6EC6-1031-4AF9-9124-7E0D47C92A6C}" type="slidenum">
+            <a:fld id="{64FDD948-B2C9-4517-8A79-C50DCD1B22EF}" type="slidenum">
               <a:rPr kumimoji="1" lang="ja-JP" altLang="en-US" smtClean="0"/>
               <a:pPr/>
-              <a:t>19</a:t>
+              <a:t>17</a:t>
             </a:fld>
             <a:endParaRPr kumimoji="1" lang="ja-JP" altLang="en-US"/>
           </a:p>
@@ -1416,7 +1327,7 @@
             <a:fld id="{64FDD948-B2C9-4517-8A79-C50DCD1B22EF}" type="slidenum">
               <a:rPr kumimoji="1" lang="ja-JP" altLang="en-US" smtClean="0"/>
               <a:pPr/>
-              <a:t>22</a:t>
+              <a:t>18</a:t>
             </a:fld>
             <a:endParaRPr kumimoji="1" lang="ja-JP" altLang="en-US"/>
           </a:p>
@@ -1476,7 +1387,89 @@
           </a:bodyPr>
           <a:lstStyle/>
           <a:p>
-            <a:endParaRPr kumimoji="1" lang="ja-JP" altLang="en-US"/>
+            <a:r>
+              <a:rPr kumimoji="1" lang="en-US" altLang="ja-JP" sz="1050" i="0" kern="1200" baseline="0" dirty="0" smtClean="0">
+                <a:solidFill>
+                  <a:schemeClr val="tx1"/>
+                </a:solidFill>
+                <a:latin typeface="+mj-ea"/>
+                <a:ea typeface="+mj-ea"/>
+                <a:cs typeface="+mn-cs"/>
+              </a:rPr>
+              <a:t>z1 </a:t>
+            </a:r>
+            <a:r>
+              <a:rPr kumimoji="1" lang="ja-JP" altLang="en-US" sz="1050" i="0" kern="1200" baseline="0" dirty="0" smtClean="0">
+                <a:solidFill>
+                  <a:schemeClr val="tx1"/>
+                </a:solidFill>
+                <a:latin typeface="+mj-ea"/>
+                <a:ea typeface="+mj-ea"/>
+                <a:cs typeface="+mn-cs"/>
+              </a:rPr>
+              <a:t>軸と直交する</a:t>
+            </a:r>
+            <a:r>
+              <a:rPr kumimoji="1" lang="en-US" altLang="ja-JP" sz="1050" i="0" kern="1200" baseline="0" dirty="0" smtClean="0">
+                <a:solidFill>
+                  <a:schemeClr val="tx1"/>
+                </a:solidFill>
+                <a:latin typeface="+mj-ea"/>
+                <a:ea typeface="+mj-ea"/>
+                <a:cs typeface="+mn-cs"/>
+              </a:rPr>
+              <a:t>z2 </a:t>
+            </a:r>
+            <a:r>
+              <a:rPr kumimoji="1" lang="ja-JP" altLang="en-US" sz="1050" i="0" kern="1200" baseline="0" dirty="0" smtClean="0">
+                <a:solidFill>
+                  <a:schemeClr val="tx1"/>
+                </a:solidFill>
+                <a:latin typeface="+mj-ea"/>
+                <a:ea typeface="+mj-ea"/>
+                <a:cs typeface="+mn-cs"/>
+              </a:rPr>
+              <a:t>軸を考える．この</a:t>
+            </a:r>
+            <a:r>
+              <a:rPr kumimoji="1" lang="en-US" altLang="ja-JP" sz="1050" i="0" kern="1200" baseline="0" dirty="0" smtClean="0">
+                <a:solidFill>
+                  <a:schemeClr val="tx1"/>
+                </a:solidFill>
+                <a:latin typeface="+mj-ea"/>
+                <a:ea typeface="+mj-ea"/>
+                <a:cs typeface="+mn-cs"/>
+              </a:rPr>
+              <a:t>z2 </a:t>
+            </a:r>
+            <a:r>
+              <a:rPr kumimoji="1" lang="ja-JP" altLang="en-US" sz="1050" i="0" kern="1200" baseline="0" dirty="0" smtClean="0">
+                <a:solidFill>
+                  <a:schemeClr val="tx1"/>
+                </a:solidFill>
+                <a:latin typeface="+mj-ea"/>
+                <a:ea typeface="+mj-ea"/>
+                <a:cs typeface="+mn-cs"/>
+              </a:rPr>
+              <a:t>軸は「肥満の程度」を表していると解釈できる．このように，「身長」や「体重」といった変</a:t>
+            </a:r>
+          </a:p>
+          <a:p>
+            <a:r>
+              <a:rPr kumimoji="1" lang="ja-JP" altLang="en-US" sz="1050" kern="1200" baseline="0" dirty="0" smtClean="0">
+                <a:solidFill>
+                  <a:schemeClr val="tx1"/>
+                </a:solidFill>
+                <a:latin typeface="+mj-ea"/>
+                <a:ea typeface="+mj-ea"/>
+                <a:cs typeface="+mn-cs"/>
+              </a:rPr>
+              <a:t>数を独立に扱うのではなく，「体の大きさ」や「肥満の程度」といった総合的な指標を導入することによって，データに含まれる変数間の関係や特徴が容易に把握できるようになる．</a:t>
+            </a:r>
+            <a:endParaRPr kumimoji="1" lang="ja-JP" altLang="en-US" sz="1050" dirty="0">
+              <a:latin typeface="+mj-ea"/>
+              <a:ea typeface="+mj-ea"/>
+            </a:endParaRPr>
           </a:p>
         </p:txBody>
       </p:sp>
@@ -1495,10 +1488,10 @@
           <a:bodyPr/>
           <a:lstStyle/>
           <a:p>
-            <a:fld id="{64FDD948-B2C9-4517-8A79-C50DCD1B22EF}" type="slidenum">
+            <a:fld id="{957A6EC6-1031-4AF9-9124-7E0D47C92A6C}" type="slidenum">
               <a:rPr kumimoji="1" lang="ja-JP" altLang="en-US" smtClean="0"/>
               <a:pPr/>
-              <a:t>23</a:t>
+              <a:t>20</a:t>
             </a:fld>
             <a:endParaRPr kumimoji="1" lang="ja-JP" altLang="en-US"/>
           </a:p>
@@ -1640,7 +1633,17 @@
           </a:bodyPr>
           <a:lstStyle/>
           <a:p>
-            <a:endParaRPr kumimoji="1" lang="ja-JP" altLang="en-US"/>
+            <a:r>
+              <a:rPr kumimoji="1" lang="en-US" altLang="ja-JP" dirty="0" err="1" smtClean="0"/>
+              <a:t>V,U,lambda</a:t>
+            </a:r>
+            <a:r>
+              <a:rPr kumimoji="1" lang="en-US" altLang="ja-JP" baseline="0" dirty="0" smtClean="0"/>
+              <a:t> : M×M</a:t>
+            </a:r>
+          </a:p>
+          <a:p>
+            <a:endParaRPr kumimoji="1" lang="ja-JP" altLang="en-US" dirty="0"/>
           </a:p>
         </p:txBody>
       </p:sp>
@@ -1659,10 +1662,10 @@
           <a:bodyPr/>
           <a:lstStyle/>
           <a:p>
-            <a:fld id="{64FDD948-B2C9-4517-8A79-C50DCD1B22EF}" type="slidenum">
+            <a:fld id="{957A6EC6-1031-4AF9-9124-7E0D47C92A6C}" type="slidenum">
               <a:rPr kumimoji="1" lang="ja-JP" altLang="en-US" smtClean="0"/>
               <a:pPr/>
-              <a:t>25</a:t>
+              <a:t>22</a:t>
             </a:fld>
             <a:endParaRPr kumimoji="1" lang="ja-JP" altLang="en-US"/>
           </a:p>
@@ -1744,7 +1747,7 @@
             <a:fld id="{64FDD948-B2C9-4517-8A79-C50DCD1B22EF}" type="slidenum">
               <a:rPr kumimoji="1" lang="ja-JP" altLang="en-US" smtClean="0"/>
               <a:pPr/>
-              <a:t>26</a:t>
+              <a:t>25</a:t>
             </a:fld>
             <a:endParaRPr kumimoji="1" lang="ja-JP" altLang="en-US"/>
           </a:p>
@@ -1826,7 +1829,253 @@
             <a:fld id="{64FDD948-B2C9-4517-8A79-C50DCD1B22EF}" type="slidenum">
               <a:rPr kumimoji="1" lang="ja-JP" altLang="en-US" smtClean="0"/>
               <a:pPr/>
+              <a:t>26</a:t>
+            </a:fld>
+            <a:endParaRPr kumimoji="1" lang="ja-JP" altLang="en-US"/>
+          </a:p>
+        </p:txBody>
+      </p:sp>
+    </p:spTree>
+  </p:cSld>
+  <p:clrMapOvr>
+    <a:masterClrMapping/>
+  </p:clrMapOvr>
+</p:notes>
+</file>
+
+<file path=ppt/notesSlides/notesSlide23.xml><?xml version="1.0" encoding="utf-8"?>
+<p:notes xmlns:a="http://schemas.openxmlformats.org/drawingml/2006/main" xmlns:r="http://schemas.openxmlformats.org/officeDocument/2006/relationships" xmlns:p="http://schemas.openxmlformats.org/presentationml/2006/main">
+  <p:cSld>
+    <p:spTree>
+      <p:nvGrpSpPr>
+        <p:cNvPr id="1" name=""/>
+        <p:cNvGrpSpPr/>
+        <p:nvPr/>
+      </p:nvGrpSpPr>
+      <p:grpSpPr>
+        <a:xfrm>
+          <a:off x="0" y="0"/>
+          <a:ext cx="0" cy="0"/>
+          <a:chOff x="0" y="0"/>
+          <a:chExt cx="0" cy="0"/>
+        </a:xfrm>
+      </p:grpSpPr>
+      <p:sp>
+        <p:nvSpPr>
+          <p:cNvPr id="2" name="スライド イメージ プレースホルダ 1"/>
+          <p:cNvSpPr>
+            <a:spLocks noGrp="1" noRot="1" noChangeAspect="1"/>
+          </p:cNvSpPr>
+          <p:nvPr>
+            <p:ph type="sldImg"/>
+          </p:nvPr>
+        </p:nvSpPr>
+        <p:spPr/>
+      </p:sp>
+      <p:sp>
+        <p:nvSpPr>
+          <p:cNvPr id="3" name="ノート プレースホルダ 2"/>
+          <p:cNvSpPr>
+            <a:spLocks noGrp="1"/>
+          </p:cNvSpPr>
+          <p:nvPr>
+            <p:ph type="body" idx="1"/>
+          </p:nvPr>
+        </p:nvSpPr>
+        <p:spPr/>
+        <p:txBody>
+          <a:bodyPr>
+            <a:normAutofit/>
+          </a:bodyPr>
+          <a:lstStyle/>
+          <a:p>
+            <a:endParaRPr kumimoji="1" lang="ja-JP" altLang="en-US"/>
+          </a:p>
+        </p:txBody>
+      </p:sp>
+      <p:sp>
+        <p:nvSpPr>
+          <p:cNvPr id="4" name="スライド番号プレースホルダ 3"/>
+          <p:cNvSpPr>
+            <a:spLocks noGrp="1"/>
+          </p:cNvSpPr>
+          <p:nvPr>
+            <p:ph type="sldNum" sz="quarter" idx="10"/>
+          </p:nvPr>
+        </p:nvSpPr>
+        <p:spPr/>
+        <p:txBody>
+          <a:bodyPr/>
+          <a:lstStyle/>
+          <a:p>
+            <a:fld id="{64FDD948-B2C9-4517-8A79-C50DCD1B22EF}" type="slidenum">
+              <a:rPr kumimoji="1" lang="ja-JP" altLang="en-US" smtClean="0"/>
+              <a:pPr/>
               <a:t>28</a:t>
+            </a:fld>
+            <a:endParaRPr kumimoji="1" lang="ja-JP" altLang="en-US"/>
+          </a:p>
+        </p:txBody>
+      </p:sp>
+    </p:spTree>
+  </p:cSld>
+  <p:clrMapOvr>
+    <a:masterClrMapping/>
+  </p:clrMapOvr>
+</p:notes>
+</file>
+
+<file path=ppt/notesSlides/notesSlide24.xml><?xml version="1.0" encoding="utf-8"?>
+<p:notes xmlns:a="http://schemas.openxmlformats.org/drawingml/2006/main" xmlns:r="http://schemas.openxmlformats.org/officeDocument/2006/relationships" xmlns:p="http://schemas.openxmlformats.org/presentationml/2006/main">
+  <p:cSld>
+    <p:spTree>
+      <p:nvGrpSpPr>
+        <p:cNvPr id="1" name=""/>
+        <p:cNvGrpSpPr/>
+        <p:nvPr/>
+      </p:nvGrpSpPr>
+      <p:grpSpPr>
+        <a:xfrm>
+          <a:off x="0" y="0"/>
+          <a:ext cx="0" cy="0"/>
+          <a:chOff x="0" y="0"/>
+          <a:chExt cx="0" cy="0"/>
+        </a:xfrm>
+      </p:grpSpPr>
+      <p:sp>
+        <p:nvSpPr>
+          <p:cNvPr id="2" name="スライド イメージ プレースホルダ 1"/>
+          <p:cNvSpPr>
+            <a:spLocks noGrp="1" noRot="1" noChangeAspect="1"/>
+          </p:cNvSpPr>
+          <p:nvPr>
+            <p:ph type="sldImg"/>
+          </p:nvPr>
+        </p:nvSpPr>
+        <p:spPr/>
+      </p:sp>
+      <p:sp>
+        <p:nvSpPr>
+          <p:cNvPr id="3" name="ノート プレースホルダ 2"/>
+          <p:cNvSpPr>
+            <a:spLocks noGrp="1"/>
+          </p:cNvSpPr>
+          <p:nvPr>
+            <p:ph type="body" idx="1"/>
+          </p:nvPr>
+        </p:nvSpPr>
+        <p:spPr/>
+        <p:txBody>
+          <a:bodyPr>
+            <a:normAutofit/>
+          </a:bodyPr>
+          <a:lstStyle/>
+          <a:p>
+            <a:endParaRPr kumimoji="1" lang="ja-JP" altLang="en-US"/>
+          </a:p>
+        </p:txBody>
+      </p:sp>
+      <p:sp>
+        <p:nvSpPr>
+          <p:cNvPr id="4" name="スライド番号プレースホルダ 3"/>
+          <p:cNvSpPr>
+            <a:spLocks noGrp="1"/>
+          </p:cNvSpPr>
+          <p:nvPr>
+            <p:ph type="sldNum" sz="quarter" idx="10"/>
+          </p:nvPr>
+        </p:nvSpPr>
+        <p:spPr/>
+        <p:txBody>
+          <a:bodyPr/>
+          <a:lstStyle/>
+          <a:p>
+            <a:fld id="{64FDD948-B2C9-4517-8A79-C50DCD1B22EF}" type="slidenum">
+              <a:rPr kumimoji="1" lang="ja-JP" altLang="en-US" smtClean="0"/>
+              <a:pPr/>
+              <a:t>29</a:t>
+            </a:fld>
+            <a:endParaRPr kumimoji="1" lang="ja-JP" altLang="en-US"/>
+          </a:p>
+        </p:txBody>
+      </p:sp>
+    </p:spTree>
+  </p:cSld>
+  <p:clrMapOvr>
+    <a:masterClrMapping/>
+  </p:clrMapOvr>
+</p:notes>
+</file>
+
+<file path=ppt/notesSlides/notesSlide25.xml><?xml version="1.0" encoding="utf-8"?>
+<p:notes xmlns:a="http://schemas.openxmlformats.org/drawingml/2006/main" xmlns:r="http://schemas.openxmlformats.org/officeDocument/2006/relationships" xmlns:p="http://schemas.openxmlformats.org/presentationml/2006/main">
+  <p:cSld>
+    <p:spTree>
+      <p:nvGrpSpPr>
+        <p:cNvPr id="1" name=""/>
+        <p:cNvGrpSpPr/>
+        <p:nvPr/>
+      </p:nvGrpSpPr>
+      <p:grpSpPr>
+        <a:xfrm>
+          <a:off x="0" y="0"/>
+          <a:ext cx="0" cy="0"/>
+          <a:chOff x="0" y="0"/>
+          <a:chExt cx="0" cy="0"/>
+        </a:xfrm>
+      </p:grpSpPr>
+      <p:sp>
+        <p:nvSpPr>
+          <p:cNvPr id="2" name="スライド イメージ プレースホルダ 1"/>
+          <p:cNvSpPr>
+            <a:spLocks noGrp="1" noRot="1" noChangeAspect="1"/>
+          </p:cNvSpPr>
+          <p:nvPr>
+            <p:ph type="sldImg"/>
+          </p:nvPr>
+        </p:nvSpPr>
+        <p:spPr/>
+      </p:sp>
+      <p:sp>
+        <p:nvSpPr>
+          <p:cNvPr id="3" name="ノート プレースホルダ 2"/>
+          <p:cNvSpPr>
+            <a:spLocks noGrp="1"/>
+          </p:cNvSpPr>
+          <p:nvPr>
+            <p:ph type="body" idx="1"/>
+          </p:nvPr>
+        </p:nvSpPr>
+        <p:spPr/>
+        <p:txBody>
+          <a:bodyPr>
+            <a:normAutofit/>
+          </a:bodyPr>
+          <a:lstStyle/>
+          <a:p>
+            <a:endParaRPr kumimoji="1" lang="ja-JP" altLang="en-US"/>
+          </a:p>
+        </p:txBody>
+      </p:sp>
+      <p:sp>
+        <p:nvSpPr>
+          <p:cNvPr id="4" name="スライド番号プレースホルダ 3"/>
+          <p:cNvSpPr>
+            <a:spLocks noGrp="1"/>
+          </p:cNvSpPr>
+          <p:nvPr>
+            <p:ph type="sldNum" sz="quarter" idx="10"/>
+          </p:nvPr>
+        </p:nvSpPr>
+        <p:spPr/>
+        <p:txBody>
+          <a:bodyPr/>
+          <a:lstStyle/>
+          <a:p>
+            <a:fld id="{64FDD948-B2C9-4517-8A79-C50DCD1B22EF}" type="slidenum">
+              <a:rPr kumimoji="1" lang="ja-JP" altLang="en-US" smtClean="0"/>
+              <a:pPr/>
+              <a:t>31</a:t>
             </a:fld>
             <a:endParaRPr kumimoji="1" lang="ja-JP" altLang="en-US"/>
           </a:p>
@@ -8339,31 +8588,93 @@
             <p:ph type="title"/>
           </p:nvPr>
         </p:nvSpPr>
+        <p:spPr>
+          <a:xfrm>
+            <a:off x="467544" y="620688"/>
+            <a:ext cx="8229600" cy="1066800"/>
+          </a:xfrm>
+        </p:spPr>
+        <p:txBody>
+          <a:bodyPr>
+            <a:normAutofit/>
+          </a:bodyPr>
+          <a:lstStyle/>
+          <a:p>
+            <a:r>
+              <a:rPr lang="en-US" altLang="ja-JP" sz="4400" dirty="0" smtClean="0"/>
+              <a:t>Julius</a:t>
+            </a:r>
+            <a:r>
+              <a:rPr lang="ja-JP" altLang="en-US" sz="4400" dirty="0" smtClean="0">
+                <a:latin typeface="+mn-ea"/>
+                <a:ea typeface="+mn-ea"/>
+              </a:rPr>
+              <a:t>とは</a:t>
+            </a:r>
+            <a:endParaRPr kumimoji="1" lang="ja-JP" altLang="en-US" sz="4400" dirty="0">
+              <a:latin typeface="+mn-ea"/>
+              <a:ea typeface="+mn-ea"/>
+            </a:endParaRPr>
+          </a:p>
+        </p:txBody>
+      </p:sp>
+      <p:sp>
+        <p:nvSpPr>
+          <p:cNvPr id="3" name="コンテンツ プレースホルダ 2"/>
+          <p:cNvSpPr>
+            <a:spLocks noGrp="1"/>
+          </p:cNvSpPr>
+          <p:nvPr>
+            <p:ph idx="1"/>
+          </p:nvPr>
+        </p:nvSpPr>
         <p:spPr/>
         <p:txBody>
           <a:bodyPr/>
           <a:lstStyle/>
           <a:p>
-            <a:endParaRPr kumimoji="1" lang="ja-JP" altLang="en-US"/>
-          </a:p>
-        </p:txBody>
-      </p:sp>
-      <p:sp>
-        <p:nvSpPr>
-          <p:cNvPr id="3" name="コンテンツ プレースホルダ 2"/>
-          <p:cNvSpPr>
-            <a:spLocks noGrp="1"/>
-          </p:cNvSpPr>
-          <p:nvPr>
-            <p:ph idx="1"/>
-          </p:nvPr>
-        </p:nvSpPr>
-        <p:spPr/>
-        <p:txBody>
-          <a:bodyPr/>
-          <a:lstStyle/>
-          <a:p>
-            <a:endParaRPr kumimoji="1" lang="ja-JP" altLang="en-US"/>
+            <a:r>
+              <a:rPr kumimoji="1" lang="ja-JP" altLang="en-US" sz="4400" dirty="0" smtClean="0"/>
+              <a:t>音声認識を実行するフリーのソフトウェア</a:t>
+            </a:r>
+            <a:endParaRPr lang="en-US" altLang="ja-JP" sz="4400" dirty="0" smtClean="0"/>
+          </a:p>
+          <a:p>
+            <a:r>
+              <a:rPr lang="ja-JP" altLang="en-US" sz="4400" dirty="0" smtClean="0"/>
+              <a:t>汎用性と可搬性が高い</a:t>
+            </a:r>
+            <a:endParaRPr lang="en-US" altLang="ja-JP" sz="4400" dirty="0" smtClean="0"/>
+          </a:p>
+          <a:p>
+            <a:r>
+              <a:rPr kumimoji="1" lang="ja-JP" altLang="en-US" sz="4400" dirty="0" smtClean="0"/>
+              <a:t>誰でも簡単に使える</a:t>
+            </a:r>
+            <a:endParaRPr kumimoji="1" lang="en-US" altLang="ja-JP" sz="4400" dirty="0" smtClean="0"/>
+          </a:p>
+          <a:p>
+            <a:r>
+              <a:rPr kumimoji="1" lang="en-US" altLang="ja-JP" sz="4400" dirty="0" smtClean="0"/>
+              <a:t>Unix</a:t>
+            </a:r>
+            <a:r>
+              <a:rPr kumimoji="1" lang="ja-JP" altLang="en-US" sz="4400" dirty="0" smtClean="0"/>
+              <a:t>系</a:t>
+            </a:r>
+            <a:r>
+              <a:rPr kumimoji="1" lang="en-US" altLang="ja-JP" sz="4400" dirty="0" smtClean="0"/>
+              <a:t>OS</a:t>
+            </a:r>
+            <a:r>
+              <a:rPr kumimoji="1" lang="ja-JP" altLang="en-US" sz="4400" dirty="0" smtClean="0"/>
+              <a:t>などで動作</a:t>
+            </a:r>
+            <a:r>
+              <a:rPr lang="ja-JP" altLang="en-US" sz="4400" dirty="0" smtClean="0"/>
+              <a:t>する。</a:t>
+            </a:r>
+            <a:endParaRPr kumimoji="1" lang="en-US" altLang="ja-JP" sz="4400" dirty="0" smtClean="0"/>
           </a:p>
         </p:txBody>
       </p:sp>
@@ -8376,6 +8687,972 @@
 </file>
 
 <file path=ppt/slides/slide16.xml><?xml version="1.0" encoding="utf-8"?>
+<p:sld xmlns:a="http://schemas.openxmlformats.org/drawingml/2006/main" xmlns:r="http://schemas.openxmlformats.org/officeDocument/2006/relationships" xmlns:p="http://schemas.openxmlformats.org/presentationml/2006/main">
+  <p:cSld>
+    <p:spTree>
+      <p:nvGrpSpPr>
+        <p:cNvPr id="1" name=""/>
+        <p:cNvGrpSpPr/>
+        <p:nvPr/>
+      </p:nvGrpSpPr>
+      <p:grpSpPr>
+        <a:xfrm>
+          <a:off x="0" y="0"/>
+          <a:ext cx="0" cy="0"/>
+          <a:chOff x="0" y="0"/>
+          <a:chExt cx="0" cy="0"/>
+        </a:xfrm>
+      </p:grpSpPr>
+      <p:sp>
+        <p:nvSpPr>
+          <p:cNvPr id="2" name="タイトル 1"/>
+          <p:cNvSpPr>
+            <a:spLocks noGrp="1"/>
+          </p:cNvSpPr>
+          <p:nvPr>
+            <p:ph type="title"/>
+          </p:nvPr>
+        </p:nvSpPr>
+        <p:spPr>
+          <a:xfrm>
+            <a:off x="467544" y="476672"/>
+            <a:ext cx="8229600" cy="1066800"/>
+          </a:xfrm>
+        </p:spPr>
+        <p:txBody>
+          <a:bodyPr>
+            <a:normAutofit/>
+          </a:bodyPr>
+          <a:lstStyle/>
+          <a:p>
+            <a:r>
+              <a:rPr kumimoji="1" lang="ja-JP" altLang="en-US" sz="4400" dirty="0" smtClean="0">
+                <a:latin typeface="+mn-ea"/>
+                <a:ea typeface="+mn-ea"/>
+              </a:rPr>
+              <a:t>具体的な動作</a:t>
+            </a:r>
+            <a:endParaRPr kumimoji="1" lang="ja-JP" altLang="en-US" sz="4400" dirty="0">
+              <a:latin typeface="+mn-ea"/>
+              <a:ea typeface="+mn-ea"/>
+            </a:endParaRPr>
+          </a:p>
+        </p:txBody>
+      </p:sp>
+      <p:sp>
+        <p:nvSpPr>
+          <p:cNvPr id="3" name="コンテンツ プレースホルダ 2"/>
+          <p:cNvSpPr>
+            <a:spLocks noGrp="1"/>
+          </p:cNvSpPr>
+          <p:nvPr>
+            <p:ph idx="1"/>
+          </p:nvPr>
+        </p:nvSpPr>
+        <p:spPr/>
+        <p:txBody>
+          <a:bodyPr/>
+          <a:lstStyle/>
+          <a:p>
+            <a:r>
+              <a:rPr lang="ja-JP" altLang="en-US" sz="3600" dirty="0" smtClean="0"/>
+              <a:t>音響モデルと言語モデルによって音声認識を行う</a:t>
+            </a:r>
+            <a:r>
+              <a:rPr lang="ja-JP" altLang="en-US" sz="3600" dirty="0" smtClean="0"/>
+              <a:t>。</a:t>
+            </a:r>
+            <a:endParaRPr lang="en-US" altLang="ja-JP" sz="3600" dirty="0" smtClean="0"/>
+          </a:p>
+          <a:p>
+            <a:endParaRPr lang="en-US" altLang="ja-JP" sz="3600" dirty="0" smtClean="0"/>
+          </a:p>
+          <a:p>
+            <a:r>
+              <a:rPr kumimoji="1" lang="ja-JP" altLang="en-US" sz="3600" dirty="0" smtClean="0"/>
+              <a:t>認識の対象となる単語は自分で任意に指定する。</a:t>
+            </a:r>
+            <a:endParaRPr kumimoji="1" lang="en-US" altLang="ja-JP" sz="3600" dirty="0" smtClean="0"/>
+          </a:p>
+          <a:p>
+            <a:pPr>
+              <a:buNone/>
+            </a:pPr>
+            <a:endParaRPr kumimoji="1" lang="ja-JP" altLang="en-US" dirty="0"/>
+          </a:p>
+        </p:txBody>
+      </p:sp>
+    </p:spTree>
+  </p:cSld>
+  <p:clrMapOvr>
+    <a:masterClrMapping/>
+  </p:clrMapOvr>
+</p:sld>
+</file>
+
+<file path=ppt/slides/slide17.xml><?xml version="1.0" encoding="utf-8"?>
+<p:sld xmlns:a="http://schemas.openxmlformats.org/drawingml/2006/main" xmlns:r="http://schemas.openxmlformats.org/officeDocument/2006/relationships" xmlns:p="http://schemas.openxmlformats.org/presentationml/2006/main">
+  <p:cSld>
+    <p:spTree>
+      <p:nvGrpSpPr>
+        <p:cNvPr id="1" name=""/>
+        <p:cNvGrpSpPr/>
+        <p:nvPr/>
+      </p:nvGrpSpPr>
+      <p:grpSpPr>
+        <a:xfrm>
+          <a:off x="0" y="0"/>
+          <a:ext cx="0" cy="0"/>
+          <a:chOff x="0" y="0"/>
+          <a:chExt cx="0" cy="0"/>
+        </a:xfrm>
+      </p:grpSpPr>
+      <p:sp>
+        <p:nvSpPr>
+          <p:cNvPr id="2" name="タイトル 1"/>
+          <p:cNvSpPr>
+            <a:spLocks noGrp="1"/>
+          </p:cNvSpPr>
+          <p:nvPr>
+            <p:ph type="title"/>
+          </p:nvPr>
+        </p:nvSpPr>
+        <p:spPr>
+          <a:xfrm>
+            <a:off x="467544" y="548680"/>
+            <a:ext cx="8229600" cy="1066800"/>
+          </a:xfrm>
+        </p:spPr>
+        <p:txBody>
+          <a:bodyPr/>
+          <a:lstStyle/>
+          <a:p>
+            <a:r>
+              <a:rPr kumimoji="1" lang="ja-JP" altLang="en-US" dirty="0" smtClean="0"/>
+              <a:t>音声認識の原理</a:t>
+            </a:r>
+            <a:endParaRPr kumimoji="1" lang="ja-JP" altLang="en-US" dirty="0"/>
+          </a:p>
+        </p:txBody>
+      </p:sp>
+      <p:sp>
+        <p:nvSpPr>
+          <p:cNvPr id="3" name="コンテンツ プレースホルダ 2"/>
+          <p:cNvSpPr>
+            <a:spLocks noGrp="1"/>
+          </p:cNvSpPr>
+          <p:nvPr>
+            <p:ph idx="1"/>
+          </p:nvPr>
+        </p:nvSpPr>
+        <p:spPr>
+          <a:xfrm>
+            <a:off x="683568" y="1556792"/>
+            <a:ext cx="7344816" cy="4752528"/>
+          </a:xfrm>
+        </p:spPr>
+        <p:txBody>
+          <a:bodyPr/>
+          <a:lstStyle/>
+          <a:p>
+            <a:pPr>
+              <a:buNone/>
+            </a:pPr>
+            <a:endParaRPr lang="en-US" altLang="ja-JP" sz="3600" b="1" dirty="0" smtClean="0"/>
+          </a:p>
+          <a:p>
+            <a:pPr>
+              <a:buNone/>
+            </a:pPr>
+            <a:r>
+              <a:rPr kumimoji="1" lang="ja-JP" altLang="en-US" sz="3600" b="1" dirty="0" smtClean="0"/>
+              <a:t>入力</a:t>
+            </a:r>
+            <a:r>
+              <a:rPr kumimoji="1" lang="ja-JP" altLang="en-US" sz="3600" b="1" dirty="0" smtClean="0"/>
+              <a:t>音声</a:t>
+            </a:r>
+            <a:r>
+              <a:rPr lang="ja-JP" altLang="en-US" sz="3600" b="1" dirty="0" smtClean="0"/>
+              <a:t>：</a:t>
+            </a:r>
+            <a:r>
+              <a:rPr kumimoji="1" lang="en-US" altLang="ja-JP" sz="3600" b="1" dirty="0" smtClean="0"/>
+              <a:t>X</a:t>
+            </a:r>
+          </a:p>
+          <a:p>
+            <a:pPr>
+              <a:buNone/>
+            </a:pPr>
+            <a:r>
+              <a:rPr lang="ja-JP" altLang="en-US" sz="3600" b="1" dirty="0" smtClean="0"/>
+              <a:t>単語列：</a:t>
+            </a:r>
+            <a:r>
+              <a:rPr lang="en-US" altLang="ja-JP" sz="3600" b="1" dirty="0" smtClean="0"/>
+              <a:t>W</a:t>
+            </a:r>
+          </a:p>
+          <a:p>
+            <a:pPr>
+              <a:buNone/>
+            </a:pPr>
+            <a:r>
+              <a:rPr kumimoji="1" lang="en-US" altLang="ja-JP" sz="3600" b="1" dirty="0" smtClean="0"/>
+              <a:t>              :</a:t>
+            </a:r>
+            <a:r>
+              <a:rPr kumimoji="1" lang="ja-JP" altLang="en-US" sz="3600" b="1" dirty="0" smtClean="0"/>
+              <a:t>単語列</a:t>
+            </a:r>
+            <a:r>
+              <a:rPr kumimoji="1" lang="en-US" altLang="ja-JP" sz="3600" b="1" dirty="0" smtClean="0"/>
+              <a:t>W</a:t>
+            </a:r>
+            <a:r>
+              <a:rPr kumimoji="1" lang="ja-JP" altLang="en-US" sz="3600" b="1" dirty="0" smtClean="0"/>
+              <a:t>の生起する確率</a:t>
+            </a:r>
+            <a:endParaRPr kumimoji="1" lang="en-US" altLang="ja-JP" sz="3600" b="1" dirty="0" smtClean="0"/>
+          </a:p>
+          <a:p>
+            <a:pPr>
+              <a:buNone/>
+            </a:pPr>
+            <a:endParaRPr kumimoji="1" lang="en-US" altLang="ja-JP" sz="3600" b="1" dirty="0" smtClean="0"/>
+          </a:p>
+          <a:p>
+            <a:pPr>
+              <a:buNone/>
+            </a:pPr>
+            <a:endParaRPr lang="en-US" altLang="ja-JP" sz="3600" b="1" dirty="0" smtClean="0"/>
+          </a:p>
+          <a:p>
+            <a:pPr>
+              <a:buNone/>
+            </a:pPr>
+            <a:r>
+              <a:rPr lang="ja-JP" altLang="en-US" sz="3600" b="1" dirty="0" smtClean="0"/>
+              <a:t>を最大にする</a:t>
+            </a:r>
+            <a:r>
+              <a:rPr lang="en-US" altLang="ja-JP" sz="3600" b="1" dirty="0" smtClean="0"/>
+              <a:t>W</a:t>
+            </a:r>
+            <a:r>
+              <a:rPr lang="ja-JP" altLang="en-US" sz="3600" b="1" dirty="0" smtClean="0"/>
+              <a:t>を見つける。</a:t>
+            </a:r>
+            <a:endParaRPr kumimoji="1" lang="ja-JP" altLang="en-US" sz="3600" b="1" dirty="0"/>
+          </a:p>
+        </p:txBody>
+      </p:sp>
+      <p:graphicFrame>
+        <p:nvGraphicFramePr>
+          <p:cNvPr id="20" name="オブジェクト 19"/>
+          <p:cNvGraphicFramePr>
+            <a:graphicFrameLocks noChangeAspect="1"/>
+          </p:cNvGraphicFramePr>
+          <p:nvPr/>
+        </p:nvGraphicFramePr>
+        <p:xfrm>
+          <a:off x="1115616" y="3284984"/>
+          <a:ext cx="1243775" cy="720080"/>
+        </p:xfrm>
+        <a:graphic>
+          <a:graphicData uri="http://schemas.openxmlformats.org/presentationml/2006/ole">
+            <p:oleObj spid="_x0000_s49154" name="数式" r:id="rId4" imgW="393480" imgH="203040" progId="Equation.3">
+              <p:embed/>
+            </p:oleObj>
+          </a:graphicData>
+        </a:graphic>
+      </p:graphicFrame>
+      <p:graphicFrame>
+        <p:nvGraphicFramePr>
+          <p:cNvPr id="21" name="オブジェクト 20"/>
+          <p:cNvGraphicFramePr>
+            <a:graphicFrameLocks noChangeAspect="1"/>
+          </p:cNvGraphicFramePr>
+          <p:nvPr/>
+        </p:nvGraphicFramePr>
+        <p:xfrm>
+          <a:off x="323528" y="4077072"/>
+          <a:ext cx="8352928" cy="775423"/>
+        </p:xfrm>
+        <a:graphic>
+          <a:graphicData uri="http://schemas.openxmlformats.org/presentationml/2006/ole">
+            <p:oleObj spid="_x0000_s49155" name="数式" r:id="rId5" imgW="2806560" imgH="253800" progId="Equation.3">
+              <p:embed/>
+            </p:oleObj>
+          </a:graphicData>
+        </a:graphic>
+      </p:graphicFrame>
+    </p:spTree>
+  </p:cSld>
+  <p:clrMapOvr>
+    <a:masterClrMapping/>
+  </p:clrMapOvr>
+</p:sld>
+</file>
+
+<file path=ppt/slides/slide18.xml><?xml version="1.0" encoding="utf-8"?>
+<p:sld xmlns:a="http://schemas.openxmlformats.org/drawingml/2006/main" xmlns:r="http://schemas.openxmlformats.org/officeDocument/2006/relationships" xmlns:p="http://schemas.openxmlformats.org/presentationml/2006/main">
+  <p:cSld>
+    <p:spTree>
+      <p:nvGrpSpPr>
+        <p:cNvPr id="1" name=""/>
+        <p:cNvGrpSpPr/>
+        <p:nvPr/>
+      </p:nvGrpSpPr>
+      <p:grpSpPr>
+        <a:xfrm>
+          <a:off x="0" y="0"/>
+          <a:ext cx="0" cy="0"/>
+          <a:chOff x="0" y="0"/>
+          <a:chExt cx="0" cy="0"/>
+        </a:xfrm>
+      </p:grpSpPr>
+      <p:sp>
+        <p:nvSpPr>
+          <p:cNvPr id="2" name="タイトル 1"/>
+          <p:cNvSpPr>
+            <a:spLocks noGrp="1"/>
+          </p:cNvSpPr>
+          <p:nvPr>
+            <p:ph type="title"/>
+          </p:nvPr>
+        </p:nvSpPr>
+        <p:spPr>
+          <a:xfrm>
+            <a:off x="467544" y="476672"/>
+            <a:ext cx="8229600" cy="1066800"/>
+          </a:xfrm>
+        </p:spPr>
+        <p:txBody>
+          <a:bodyPr/>
+          <a:lstStyle/>
+          <a:p>
+            <a:r>
+              <a:rPr kumimoji="1" lang="ja-JP" altLang="en-US" dirty="0" smtClean="0">
+                <a:latin typeface="+mn-ea"/>
+                <a:ea typeface="+mn-ea"/>
+              </a:rPr>
+              <a:t>音声認識の原理</a:t>
+            </a:r>
+            <a:endParaRPr kumimoji="1" lang="ja-JP" altLang="en-US" dirty="0">
+              <a:latin typeface="+mn-ea"/>
+              <a:ea typeface="+mn-ea"/>
+            </a:endParaRPr>
+          </a:p>
+        </p:txBody>
+      </p:sp>
+      <p:sp>
+        <p:nvSpPr>
+          <p:cNvPr id="3" name="コンテンツ プレースホルダ 2"/>
+          <p:cNvSpPr>
+            <a:spLocks noGrp="1"/>
+          </p:cNvSpPr>
+          <p:nvPr>
+            <p:ph idx="1"/>
+          </p:nvPr>
+        </p:nvSpPr>
+        <p:spPr>
+          <a:xfrm>
+            <a:off x="683568" y="1844824"/>
+            <a:ext cx="7344816" cy="4752528"/>
+          </a:xfrm>
+        </p:spPr>
+        <p:txBody>
+          <a:bodyPr/>
+          <a:lstStyle/>
+          <a:p>
+            <a:pPr>
+              <a:buNone/>
+            </a:pPr>
+            <a:r>
+              <a:rPr lang="ja-JP" altLang="en-US" sz="3600" b="1" dirty="0" smtClean="0"/>
+              <a:t>処理</a:t>
+            </a:r>
+            <a:r>
+              <a:rPr lang="ja-JP" altLang="en-US" sz="3600" b="1" dirty="0" smtClean="0"/>
+              <a:t>フロー</a:t>
+            </a:r>
+            <a:endParaRPr lang="en-US" altLang="ja-JP" sz="3600" b="1" dirty="0" smtClean="0"/>
+          </a:p>
+          <a:p>
+            <a:pPr>
+              <a:buNone/>
+            </a:pPr>
+            <a:endParaRPr kumimoji="1" lang="ja-JP" altLang="en-US" sz="3600" b="1" dirty="0"/>
+          </a:p>
+        </p:txBody>
+      </p:sp>
+      <p:sp>
+        <p:nvSpPr>
+          <p:cNvPr id="9" name="テキスト ボックス 8"/>
+          <p:cNvSpPr txBox="1"/>
+          <p:nvPr/>
+        </p:nvSpPr>
+        <p:spPr>
+          <a:xfrm>
+            <a:off x="2411760" y="2420888"/>
+            <a:ext cx="1422184" cy="461665"/>
+          </a:xfrm>
+          <a:prstGeom prst="rect">
+            <a:avLst/>
+          </a:prstGeom>
+        </p:spPr>
+        <p:style>
+          <a:lnRef idx="1">
+            <a:schemeClr val="accent2"/>
+          </a:lnRef>
+          <a:fillRef idx="2">
+            <a:schemeClr val="accent2"/>
+          </a:fillRef>
+          <a:effectRef idx="1">
+            <a:schemeClr val="accent2"/>
+          </a:effectRef>
+          <a:fontRef idx="minor">
+            <a:schemeClr val="dk1"/>
+          </a:fontRef>
+        </p:style>
+        <p:txBody>
+          <a:bodyPr wrap="none" rtlCol="0">
+            <a:spAutoFit/>
+          </a:bodyPr>
+          <a:lstStyle/>
+          <a:p>
+            <a:r>
+              <a:rPr lang="ja-JP" altLang="en-US" sz="2400" b="1" dirty="0" smtClean="0"/>
+              <a:t>信号処理</a:t>
+            </a:r>
+            <a:endParaRPr lang="ja-JP" altLang="en-US" sz="2400" b="1" dirty="0"/>
+          </a:p>
+        </p:txBody>
+      </p:sp>
+      <p:sp>
+        <p:nvSpPr>
+          <p:cNvPr id="10" name="テキスト ボックス 9"/>
+          <p:cNvSpPr txBox="1"/>
+          <p:nvPr/>
+        </p:nvSpPr>
+        <p:spPr>
+          <a:xfrm>
+            <a:off x="683568" y="2420888"/>
+            <a:ext cx="1800200" cy="461665"/>
+          </a:xfrm>
+          <a:prstGeom prst="rect">
+            <a:avLst/>
+          </a:prstGeom>
+          <a:noFill/>
+        </p:spPr>
+        <p:txBody>
+          <a:bodyPr wrap="square" rtlCol="0">
+            <a:spAutoFit/>
+          </a:bodyPr>
+          <a:lstStyle/>
+          <a:p>
+            <a:r>
+              <a:rPr kumimoji="1" lang="ja-JP" altLang="en-US" sz="2400" b="1" dirty="0" smtClean="0"/>
+              <a:t>入力音声</a:t>
+            </a:r>
+            <a:endParaRPr kumimoji="1" lang="en-US" altLang="ja-JP" sz="2400" b="1" dirty="0" smtClean="0"/>
+          </a:p>
+        </p:txBody>
+      </p:sp>
+      <p:cxnSp>
+        <p:nvCxnSpPr>
+          <p:cNvPr id="12" name="直線矢印コネクタ 11"/>
+          <p:cNvCxnSpPr/>
+          <p:nvPr/>
+        </p:nvCxnSpPr>
+        <p:spPr>
+          <a:xfrm>
+            <a:off x="2051720" y="2636912"/>
+            <a:ext cx="360040" cy="0"/>
+          </a:xfrm>
+          <a:prstGeom prst="straightConnector1">
+            <a:avLst/>
+          </a:prstGeom>
+          <a:ln>
+            <a:tailEnd type="arrow"/>
+          </a:ln>
+        </p:spPr>
+        <p:style>
+          <a:lnRef idx="3">
+            <a:schemeClr val="accent2"/>
+          </a:lnRef>
+          <a:fillRef idx="0">
+            <a:schemeClr val="accent2"/>
+          </a:fillRef>
+          <a:effectRef idx="2">
+            <a:schemeClr val="accent2"/>
+          </a:effectRef>
+          <a:fontRef idx="minor">
+            <a:schemeClr val="tx1"/>
+          </a:fontRef>
+        </p:style>
+      </p:cxnSp>
+      <p:cxnSp>
+        <p:nvCxnSpPr>
+          <p:cNvPr id="24" name="直線矢印コネクタ 23"/>
+          <p:cNvCxnSpPr/>
+          <p:nvPr/>
+        </p:nvCxnSpPr>
+        <p:spPr>
+          <a:xfrm>
+            <a:off x="3851920" y="2636912"/>
+            <a:ext cx="360040" cy="0"/>
+          </a:xfrm>
+          <a:prstGeom prst="straightConnector1">
+            <a:avLst/>
+          </a:prstGeom>
+          <a:ln>
+            <a:tailEnd type="arrow"/>
+          </a:ln>
+        </p:spPr>
+        <p:style>
+          <a:lnRef idx="3">
+            <a:schemeClr val="accent2"/>
+          </a:lnRef>
+          <a:fillRef idx="0">
+            <a:schemeClr val="accent2"/>
+          </a:fillRef>
+          <a:effectRef idx="2">
+            <a:schemeClr val="accent2"/>
+          </a:effectRef>
+          <a:fontRef idx="minor">
+            <a:schemeClr val="tx1"/>
+          </a:fontRef>
+        </p:style>
+      </p:cxnSp>
+      <p:cxnSp>
+        <p:nvCxnSpPr>
+          <p:cNvPr id="27" name="直線矢印コネクタ 26"/>
+          <p:cNvCxnSpPr/>
+          <p:nvPr/>
+        </p:nvCxnSpPr>
+        <p:spPr>
+          <a:xfrm flipV="1">
+            <a:off x="5004048" y="2924944"/>
+            <a:ext cx="0" cy="504056"/>
+          </a:xfrm>
+          <a:prstGeom prst="straightConnector1">
+            <a:avLst/>
+          </a:prstGeom>
+          <a:ln>
+            <a:tailEnd type="arrow"/>
+          </a:ln>
+        </p:spPr>
+        <p:style>
+          <a:lnRef idx="3">
+            <a:schemeClr val="accent2"/>
+          </a:lnRef>
+          <a:fillRef idx="0">
+            <a:schemeClr val="accent2"/>
+          </a:fillRef>
+          <a:effectRef idx="2">
+            <a:schemeClr val="accent2"/>
+          </a:effectRef>
+          <a:fontRef idx="minor">
+            <a:schemeClr val="tx1"/>
+          </a:fontRef>
+        </p:style>
+      </p:cxnSp>
+      <p:sp>
+        <p:nvSpPr>
+          <p:cNvPr id="28" name="テキスト ボックス 27"/>
+          <p:cNvSpPr txBox="1"/>
+          <p:nvPr/>
+        </p:nvSpPr>
+        <p:spPr>
+          <a:xfrm>
+            <a:off x="4283968" y="2420888"/>
+            <a:ext cx="1800200" cy="461665"/>
+          </a:xfrm>
+          <a:prstGeom prst="rect">
+            <a:avLst/>
+          </a:prstGeom>
+        </p:spPr>
+        <p:style>
+          <a:lnRef idx="1">
+            <a:schemeClr val="accent2"/>
+          </a:lnRef>
+          <a:fillRef idx="2">
+            <a:schemeClr val="accent2"/>
+          </a:fillRef>
+          <a:effectRef idx="1">
+            <a:schemeClr val="accent2"/>
+          </a:effectRef>
+          <a:fontRef idx="minor">
+            <a:schemeClr val="dk1"/>
+          </a:fontRef>
+        </p:style>
+        <p:txBody>
+          <a:bodyPr wrap="square" rtlCol="0">
+            <a:spAutoFit/>
+          </a:bodyPr>
+          <a:lstStyle/>
+          <a:p>
+            <a:r>
+              <a:rPr kumimoji="1" lang="ja-JP" altLang="en-US" sz="2400" b="1" dirty="0" smtClean="0"/>
+              <a:t>音響モデル</a:t>
+            </a:r>
+            <a:endParaRPr kumimoji="1" lang="ja-JP" altLang="en-US" sz="2400" b="1" dirty="0"/>
+          </a:p>
+        </p:txBody>
+      </p:sp>
+      <p:sp>
+        <p:nvSpPr>
+          <p:cNvPr id="33" name="テキスト ボックス 32"/>
+          <p:cNvSpPr txBox="1"/>
+          <p:nvPr/>
+        </p:nvSpPr>
+        <p:spPr>
+          <a:xfrm>
+            <a:off x="4211960" y="3501008"/>
+            <a:ext cx="1728192" cy="461665"/>
+          </a:xfrm>
+          <a:prstGeom prst="rect">
+            <a:avLst/>
+          </a:prstGeom>
+        </p:spPr>
+        <p:style>
+          <a:lnRef idx="1">
+            <a:schemeClr val="accent2"/>
+          </a:lnRef>
+          <a:fillRef idx="2">
+            <a:schemeClr val="accent2"/>
+          </a:fillRef>
+          <a:effectRef idx="1">
+            <a:schemeClr val="accent2"/>
+          </a:effectRef>
+          <a:fontRef idx="minor">
+            <a:schemeClr val="dk1"/>
+          </a:fontRef>
+        </p:style>
+        <p:txBody>
+          <a:bodyPr wrap="square" rtlCol="0">
+            <a:spAutoFit/>
+          </a:bodyPr>
+          <a:lstStyle/>
+          <a:p>
+            <a:r>
+              <a:rPr kumimoji="1" lang="ja-JP" altLang="en-US" sz="2400" b="1" dirty="0" smtClean="0"/>
+              <a:t>単語辞書</a:t>
+            </a:r>
+            <a:endParaRPr kumimoji="1" lang="ja-JP" altLang="en-US" sz="2400" b="1" dirty="0"/>
+          </a:p>
+        </p:txBody>
+      </p:sp>
+      <p:cxnSp>
+        <p:nvCxnSpPr>
+          <p:cNvPr id="40" name="直線矢印コネクタ 39"/>
+          <p:cNvCxnSpPr/>
+          <p:nvPr/>
+        </p:nvCxnSpPr>
+        <p:spPr>
+          <a:xfrm>
+            <a:off x="6084168" y="2636912"/>
+            <a:ext cx="360040" cy="0"/>
+          </a:xfrm>
+          <a:prstGeom prst="straightConnector1">
+            <a:avLst/>
+          </a:prstGeom>
+          <a:ln>
+            <a:tailEnd type="arrow"/>
+          </a:ln>
+        </p:spPr>
+        <p:style>
+          <a:lnRef idx="3">
+            <a:schemeClr val="accent2"/>
+          </a:lnRef>
+          <a:fillRef idx="0">
+            <a:schemeClr val="accent2"/>
+          </a:fillRef>
+          <a:effectRef idx="2">
+            <a:schemeClr val="accent2"/>
+          </a:effectRef>
+          <a:fontRef idx="minor">
+            <a:schemeClr val="tx1"/>
+          </a:fontRef>
+        </p:style>
+      </p:cxnSp>
+      <p:sp>
+        <p:nvSpPr>
+          <p:cNvPr id="46" name="テキスト ボックス 45"/>
+          <p:cNvSpPr txBox="1"/>
+          <p:nvPr/>
+        </p:nvSpPr>
+        <p:spPr>
+          <a:xfrm>
+            <a:off x="6516216" y="2420888"/>
+            <a:ext cx="1368152" cy="461665"/>
+          </a:xfrm>
+          <a:prstGeom prst="rect">
+            <a:avLst/>
+          </a:prstGeom>
+        </p:spPr>
+        <p:style>
+          <a:lnRef idx="1">
+            <a:schemeClr val="accent2"/>
+          </a:lnRef>
+          <a:fillRef idx="2">
+            <a:schemeClr val="accent2"/>
+          </a:fillRef>
+          <a:effectRef idx="1">
+            <a:schemeClr val="accent2"/>
+          </a:effectRef>
+          <a:fontRef idx="minor">
+            <a:schemeClr val="dk1"/>
+          </a:fontRef>
+        </p:style>
+        <p:txBody>
+          <a:bodyPr wrap="square" rtlCol="0">
+            <a:spAutoFit/>
+          </a:bodyPr>
+          <a:lstStyle/>
+          <a:p>
+            <a:r>
+              <a:rPr kumimoji="1" lang="ja-JP" altLang="en-US" sz="2400" b="1" dirty="0" smtClean="0"/>
+              <a:t>探索</a:t>
+            </a:r>
+            <a:endParaRPr kumimoji="1" lang="en-US" altLang="ja-JP" sz="2400" b="1" dirty="0" smtClean="0"/>
+          </a:p>
+        </p:txBody>
+      </p:sp>
+      <p:sp>
+        <p:nvSpPr>
+          <p:cNvPr id="47" name="テキスト ボックス 46"/>
+          <p:cNvSpPr txBox="1"/>
+          <p:nvPr/>
+        </p:nvSpPr>
+        <p:spPr>
+          <a:xfrm>
+            <a:off x="6084168" y="3573016"/>
+            <a:ext cx="2016224" cy="769441"/>
+          </a:xfrm>
+          <a:prstGeom prst="rect">
+            <a:avLst/>
+          </a:prstGeom>
+        </p:spPr>
+        <p:style>
+          <a:lnRef idx="1">
+            <a:schemeClr val="accent2"/>
+          </a:lnRef>
+          <a:fillRef idx="2">
+            <a:schemeClr val="accent2"/>
+          </a:fillRef>
+          <a:effectRef idx="1">
+            <a:schemeClr val="accent2"/>
+          </a:effectRef>
+          <a:fontRef idx="minor">
+            <a:schemeClr val="dk1"/>
+          </a:fontRef>
+        </p:style>
+        <p:txBody>
+          <a:bodyPr wrap="square" rtlCol="0">
+            <a:spAutoFit/>
+          </a:bodyPr>
+          <a:lstStyle/>
+          <a:p>
+            <a:r>
+              <a:rPr kumimoji="1" lang="ja-JP" altLang="en-US" sz="2400" b="1" dirty="0" smtClean="0"/>
+              <a:t>言語モデル</a:t>
+            </a:r>
+            <a:endParaRPr kumimoji="1" lang="en-US" altLang="ja-JP" sz="2400" b="1" dirty="0" smtClean="0"/>
+          </a:p>
+          <a:p>
+            <a:r>
+              <a:rPr lang="en-US" altLang="ja-JP" sz="2000" b="1" dirty="0" smtClean="0"/>
+              <a:t>        p(W)</a:t>
+            </a:r>
+            <a:endParaRPr kumimoji="1" lang="ja-JP" altLang="en-US" sz="2000" b="1" dirty="0"/>
+          </a:p>
+        </p:txBody>
+      </p:sp>
+      <p:cxnSp>
+        <p:nvCxnSpPr>
+          <p:cNvPr id="49" name="直線矢印コネクタ 48"/>
+          <p:cNvCxnSpPr/>
+          <p:nvPr/>
+        </p:nvCxnSpPr>
+        <p:spPr>
+          <a:xfrm flipV="1">
+            <a:off x="6876256" y="2996952"/>
+            <a:ext cx="0" cy="504056"/>
+          </a:xfrm>
+          <a:prstGeom prst="straightConnector1">
+            <a:avLst/>
+          </a:prstGeom>
+          <a:ln>
+            <a:tailEnd type="arrow"/>
+          </a:ln>
+        </p:spPr>
+        <p:style>
+          <a:lnRef idx="3">
+            <a:schemeClr val="accent2"/>
+          </a:lnRef>
+          <a:fillRef idx="0">
+            <a:schemeClr val="accent2"/>
+          </a:fillRef>
+          <a:effectRef idx="2">
+            <a:schemeClr val="accent2"/>
+          </a:effectRef>
+          <a:fontRef idx="minor">
+            <a:schemeClr val="tx1"/>
+          </a:fontRef>
+        </p:style>
+      </p:cxnSp>
+      <p:cxnSp>
+        <p:nvCxnSpPr>
+          <p:cNvPr id="55" name="直線矢印コネクタ 54"/>
+          <p:cNvCxnSpPr/>
+          <p:nvPr/>
+        </p:nvCxnSpPr>
+        <p:spPr>
+          <a:xfrm>
+            <a:off x="899592" y="5085184"/>
+            <a:ext cx="1008112" cy="0"/>
+          </a:xfrm>
+          <a:prstGeom prst="straightConnector1">
+            <a:avLst/>
+          </a:prstGeom>
+          <a:ln>
+            <a:tailEnd type="arrow"/>
+          </a:ln>
+        </p:spPr>
+        <p:style>
+          <a:lnRef idx="3">
+            <a:schemeClr val="accent2"/>
+          </a:lnRef>
+          <a:fillRef idx="0">
+            <a:schemeClr val="accent2"/>
+          </a:fillRef>
+          <a:effectRef idx="2">
+            <a:schemeClr val="accent2"/>
+          </a:effectRef>
+          <a:fontRef idx="minor">
+            <a:schemeClr val="tx1"/>
+          </a:fontRef>
+        </p:style>
+      </p:cxnSp>
+      <p:sp>
+        <p:nvSpPr>
+          <p:cNvPr id="57" name="テキスト ボックス 56"/>
+          <p:cNvSpPr txBox="1"/>
+          <p:nvPr/>
+        </p:nvSpPr>
+        <p:spPr>
+          <a:xfrm>
+            <a:off x="2123728" y="4869160"/>
+            <a:ext cx="5472608" cy="461665"/>
+          </a:xfrm>
+          <a:prstGeom prst="rect">
+            <a:avLst/>
+          </a:prstGeom>
+          <a:noFill/>
+        </p:spPr>
+        <p:txBody>
+          <a:bodyPr wrap="square" rtlCol="0">
+            <a:spAutoFit/>
+          </a:bodyPr>
+          <a:lstStyle/>
+          <a:p>
+            <a:r>
+              <a:rPr kumimoji="1" lang="ja-JP" altLang="en-US" sz="2400" b="1" dirty="0" smtClean="0"/>
+              <a:t>認識結果　</a:t>
+            </a:r>
+            <a:r>
+              <a:rPr kumimoji="1" lang="en-US" altLang="ja-JP" sz="2400" b="1" dirty="0" smtClean="0"/>
+              <a:t>W = </a:t>
+            </a:r>
+            <a:r>
+              <a:rPr kumimoji="1" lang="en-US" altLang="ja-JP" sz="2400" b="1" dirty="0" err="1" smtClean="0"/>
+              <a:t>argmax</a:t>
+            </a:r>
+            <a:r>
+              <a:rPr kumimoji="1" lang="en-US" altLang="ja-JP" sz="2400" b="1" dirty="0" smtClean="0"/>
+              <a:t> p(W|X)</a:t>
+            </a:r>
+            <a:r>
+              <a:rPr kumimoji="1" lang="ja-JP" altLang="en-US" sz="2400" b="1" dirty="0" smtClean="0"/>
+              <a:t> 　</a:t>
+            </a:r>
+            <a:endParaRPr kumimoji="1" lang="ja-JP" altLang="en-US" sz="2400" b="1" dirty="0"/>
+          </a:p>
+        </p:txBody>
+      </p:sp>
+      <p:sp>
+        <p:nvSpPr>
+          <p:cNvPr id="58" name="テキスト ボックス 57"/>
+          <p:cNvSpPr txBox="1"/>
+          <p:nvPr/>
+        </p:nvSpPr>
+        <p:spPr>
+          <a:xfrm>
+            <a:off x="5652120" y="2924944"/>
+            <a:ext cx="1296144" cy="400110"/>
+          </a:xfrm>
+          <a:prstGeom prst="rect">
+            <a:avLst/>
+          </a:prstGeom>
+          <a:noFill/>
+        </p:spPr>
+        <p:txBody>
+          <a:bodyPr wrap="square" rtlCol="0">
+            <a:spAutoFit/>
+          </a:bodyPr>
+          <a:lstStyle/>
+          <a:p>
+            <a:r>
+              <a:rPr lang="en-US" altLang="ja-JP" sz="2000" b="1" dirty="0" smtClean="0"/>
+              <a:t>p(X|W)</a:t>
+            </a:r>
+            <a:endParaRPr kumimoji="1" lang="ja-JP" altLang="en-US" sz="2000" b="1" dirty="0"/>
+          </a:p>
+        </p:txBody>
+      </p:sp>
+      <p:sp>
+        <p:nvSpPr>
+          <p:cNvPr id="59" name="テキスト ボックス 58"/>
+          <p:cNvSpPr txBox="1"/>
+          <p:nvPr/>
+        </p:nvSpPr>
+        <p:spPr>
+          <a:xfrm>
+            <a:off x="3923928" y="2924944"/>
+            <a:ext cx="792088" cy="400110"/>
+          </a:xfrm>
+          <a:prstGeom prst="rect">
+            <a:avLst/>
+          </a:prstGeom>
+          <a:noFill/>
+        </p:spPr>
+        <p:txBody>
+          <a:bodyPr wrap="square" rtlCol="0">
+            <a:spAutoFit/>
+          </a:bodyPr>
+          <a:lstStyle/>
+          <a:p>
+            <a:r>
+              <a:rPr lang="en-US" altLang="ja-JP" sz="2000" b="1" dirty="0" smtClean="0"/>
+              <a:t>X</a:t>
+            </a:r>
+            <a:endParaRPr kumimoji="1" lang="ja-JP" altLang="en-US" sz="2000" b="1" dirty="0"/>
+          </a:p>
+        </p:txBody>
+      </p:sp>
+    </p:spTree>
+  </p:cSld>
+  <p:clrMapOvr>
+    <a:masterClrMapping/>
+  </p:clrMapOvr>
+</p:sld>
+</file>
+
+<file path=ppt/slides/slide19.xml><?xml version="1.0" encoding="utf-8"?>
 <p:sld xmlns:a="http://schemas.openxmlformats.org/drawingml/2006/main" xmlns:r="http://schemas.openxmlformats.org/officeDocument/2006/relationships" xmlns:p="http://schemas.openxmlformats.org/presentationml/2006/main">
   <p:cSld>
     <p:spTree>
@@ -9172,7 +10449,164 @@
 </p:sld>
 </file>
 
-<file path=ppt/slides/slide17.xml><?xml version="1.0" encoding="utf-8"?>
+<file path=ppt/slides/slide2.xml><?xml version="1.0" encoding="utf-8"?>
+<p:sld xmlns:a="http://schemas.openxmlformats.org/drawingml/2006/main" xmlns:r="http://schemas.openxmlformats.org/officeDocument/2006/relationships" xmlns:p="http://schemas.openxmlformats.org/presentationml/2006/main">
+  <p:cSld>
+    <p:spTree>
+      <p:nvGrpSpPr>
+        <p:cNvPr id="1" name=""/>
+        <p:cNvGrpSpPr/>
+        <p:nvPr/>
+      </p:nvGrpSpPr>
+      <p:grpSpPr>
+        <a:xfrm>
+          <a:off x="0" y="0"/>
+          <a:ext cx="0" cy="0"/>
+          <a:chOff x="0" y="0"/>
+          <a:chExt cx="0" cy="0"/>
+        </a:xfrm>
+      </p:grpSpPr>
+      <p:sp>
+        <p:nvSpPr>
+          <p:cNvPr id="2" name="タイトル 1"/>
+          <p:cNvSpPr>
+            <a:spLocks noGrp="1"/>
+          </p:cNvSpPr>
+          <p:nvPr>
+            <p:ph type="title"/>
+          </p:nvPr>
+        </p:nvSpPr>
+        <p:spPr>
+          <a:xfrm>
+            <a:off x="323528" y="404664"/>
+            <a:ext cx="8363272" cy="1143000"/>
+          </a:xfrm>
+        </p:spPr>
+        <p:txBody>
+          <a:bodyPr>
+            <a:normAutofit/>
+          </a:bodyPr>
+          <a:lstStyle/>
+          <a:p>
+            <a:r>
+              <a:rPr lang="ja-JP" altLang="en-US" dirty="0">
+                <a:latin typeface="HGS明朝B" pitchFamily="18" charset="-128"/>
+                <a:ea typeface="HGS明朝B" pitchFamily="18" charset="-128"/>
+              </a:rPr>
+              <a:t>自律認識</a:t>
+            </a:r>
+            <a:r>
+              <a:rPr lang="ja-JP" altLang="en-US" dirty="0" smtClean="0">
+                <a:latin typeface="HGS明朝B" pitchFamily="18" charset="-128"/>
+                <a:ea typeface="HGS明朝B" pitchFamily="18" charset="-128"/>
+              </a:rPr>
+              <a:t>ラジコン試作零号機</a:t>
+            </a:r>
+            <a:endParaRPr kumimoji="1" lang="ja-JP" altLang="en-US" dirty="0">
+              <a:latin typeface="HGS明朝B" pitchFamily="18" charset="-128"/>
+              <a:ea typeface="HGS明朝B" pitchFamily="18" charset="-128"/>
+            </a:endParaRPr>
+          </a:p>
+        </p:txBody>
+      </p:sp>
+      <p:sp>
+        <p:nvSpPr>
+          <p:cNvPr id="3" name="コンテンツ プレースホルダ 2"/>
+          <p:cNvSpPr>
+            <a:spLocks noGrp="1"/>
+          </p:cNvSpPr>
+          <p:nvPr>
+            <p:ph idx="1"/>
+          </p:nvPr>
+        </p:nvSpPr>
+        <p:spPr>
+          <a:xfrm>
+            <a:off x="457200" y="1600201"/>
+            <a:ext cx="8229600" cy="1252735"/>
+          </a:xfrm>
+        </p:spPr>
+        <p:txBody>
+          <a:bodyPr>
+            <a:normAutofit/>
+          </a:bodyPr>
+          <a:lstStyle/>
+          <a:p>
+            <a:r>
+              <a:rPr kumimoji="1" lang="ja-JP" altLang="en-US" dirty="0" smtClean="0"/>
+              <a:t>音声によるコマンド入力</a:t>
+            </a:r>
+            <a:endParaRPr kumimoji="1" lang="en-US" altLang="ja-JP" dirty="0" smtClean="0"/>
+          </a:p>
+          <a:p>
+            <a:r>
+              <a:rPr lang="ja-JP" altLang="en-US" dirty="0" smtClean="0"/>
+              <a:t>指定された対象人物を自律的に探知して接近</a:t>
+            </a:r>
+            <a:endParaRPr kumimoji="1" lang="ja-JP" altLang="en-US" dirty="0"/>
+          </a:p>
+        </p:txBody>
+      </p:sp>
+      <p:pic>
+        <p:nvPicPr>
+          <p:cNvPr id="4" name="Picture 2" descr="C:\Users\t2ladmin\Desktop\Picture 1.jpg"/>
+          <p:cNvPicPr>
+            <a:picLocks noChangeAspect="1" noChangeArrowheads="1"/>
+          </p:cNvPicPr>
+          <p:nvPr/>
+        </p:nvPicPr>
+        <p:blipFill>
+          <a:blip r:embed="rId3" cstate="print"/>
+          <a:srcRect/>
+          <a:stretch>
+            <a:fillRect/>
+          </a:stretch>
+        </p:blipFill>
+        <p:spPr bwMode="auto">
+          <a:xfrm>
+            <a:off x="467544" y="4005064"/>
+            <a:ext cx="3528392" cy="2410459"/>
+          </a:xfrm>
+          <a:prstGeom prst="rect">
+            <a:avLst/>
+          </a:prstGeom>
+          <a:noFill/>
+        </p:spPr>
+      </p:pic>
+      <p:pic>
+        <p:nvPicPr>
+          <p:cNvPr id="26625" name="Picture 1" descr="C:\Users\t2ladmin\Desktop\articles\securedownload.jpg"/>
+          <p:cNvPicPr>
+            <a:picLocks noChangeAspect="1" noChangeArrowheads="1"/>
+          </p:cNvPicPr>
+          <p:nvPr/>
+        </p:nvPicPr>
+        <p:blipFill>
+          <a:blip r:embed="rId4" cstate="print"/>
+          <a:srcRect/>
+          <a:stretch>
+            <a:fillRect/>
+          </a:stretch>
+        </p:blipFill>
+        <p:spPr bwMode="auto">
+          <a:xfrm>
+            <a:off x="4067944" y="3284984"/>
+            <a:ext cx="4176464" cy="3132348"/>
+          </a:xfrm>
+          <a:prstGeom prst="rect">
+            <a:avLst/>
+          </a:prstGeom>
+          <a:noFill/>
+        </p:spPr>
+      </p:pic>
+    </p:spTree>
+  </p:cSld>
+  <p:clrMapOvr>
+    <a:masterClrMapping/>
+  </p:clrMapOvr>
+</p:sld>
+</file>
+
+<file path=ppt/slides/slide20.xml><?xml version="1.0" encoding="utf-8"?>
 <p:sld xmlns:a="http://schemas.openxmlformats.org/drawingml/2006/main" xmlns:r="http://schemas.openxmlformats.org/officeDocument/2006/relationships" xmlns:p="http://schemas.openxmlformats.org/presentationml/2006/main">
   <p:cSld>
     <p:spTree>
@@ -9460,7 +10894,7 @@
 </p:sld>
 </file>
 
-<file path=ppt/slides/slide18.xml><?xml version="1.0" encoding="utf-8"?>
+<file path=ppt/slides/slide21.xml><?xml version="1.0" encoding="utf-8"?>
 <p:sld xmlns:a="http://schemas.openxmlformats.org/drawingml/2006/main" xmlns:r="http://schemas.openxmlformats.org/officeDocument/2006/relationships" xmlns:p="http://schemas.openxmlformats.org/presentationml/2006/main">
   <p:cSld>
     <p:spTree>
@@ -10005,7 +11439,7 @@
 </p:sld>
 </file>
 
-<file path=ppt/slides/slide19.xml><?xml version="1.0" encoding="utf-8"?>
+<file path=ppt/slides/slide22.xml><?xml version="1.0" encoding="utf-8"?>
 <p:sld xmlns:a="http://schemas.openxmlformats.org/drawingml/2006/main" xmlns:r="http://schemas.openxmlformats.org/officeDocument/2006/relationships" xmlns:p="http://schemas.openxmlformats.org/presentationml/2006/main">
   <p:cSld>
     <p:spTree>
@@ -10460,164 +11894,7 @@
 </p:sld>
 </file>
 
-<file path=ppt/slides/slide2.xml><?xml version="1.0" encoding="utf-8"?>
-<p:sld xmlns:a="http://schemas.openxmlformats.org/drawingml/2006/main" xmlns:r="http://schemas.openxmlformats.org/officeDocument/2006/relationships" xmlns:p="http://schemas.openxmlformats.org/presentationml/2006/main">
-  <p:cSld>
-    <p:spTree>
-      <p:nvGrpSpPr>
-        <p:cNvPr id="1" name=""/>
-        <p:cNvGrpSpPr/>
-        <p:nvPr/>
-      </p:nvGrpSpPr>
-      <p:grpSpPr>
-        <a:xfrm>
-          <a:off x="0" y="0"/>
-          <a:ext cx="0" cy="0"/>
-          <a:chOff x="0" y="0"/>
-          <a:chExt cx="0" cy="0"/>
-        </a:xfrm>
-      </p:grpSpPr>
-      <p:sp>
-        <p:nvSpPr>
-          <p:cNvPr id="2" name="タイトル 1"/>
-          <p:cNvSpPr>
-            <a:spLocks noGrp="1"/>
-          </p:cNvSpPr>
-          <p:nvPr>
-            <p:ph type="title"/>
-          </p:nvPr>
-        </p:nvSpPr>
-        <p:spPr>
-          <a:xfrm>
-            <a:off x="323528" y="404664"/>
-            <a:ext cx="8363272" cy="1143000"/>
-          </a:xfrm>
-        </p:spPr>
-        <p:txBody>
-          <a:bodyPr>
-            <a:normAutofit/>
-          </a:bodyPr>
-          <a:lstStyle/>
-          <a:p>
-            <a:r>
-              <a:rPr lang="ja-JP" altLang="en-US" dirty="0">
-                <a:latin typeface="HGS明朝B" pitchFamily="18" charset="-128"/>
-                <a:ea typeface="HGS明朝B" pitchFamily="18" charset="-128"/>
-              </a:rPr>
-              <a:t>自律認識</a:t>
-            </a:r>
-            <a:r>
-              <a:rPr lang="ja-JP" altLang="en-US" dirty="0" smtClean="0">
-                <a:latin typeface="HGS明朝B" pitchFamily="18" charset="-128"/>
-                <a:ea typeface="HGS明朝B" pitchFamily="18" charset="-128"/>
-              </a:rPr>
-              <a:t>ラジコン試作零号機</a:t>
-            </a:r>
-            <a:endParaRPr kumimoji="1" lang="ja-JP" altLang="en-US" dirty="0">
-              <a:latin typeface="HGS明朝B" pitchFamily="18" charset="-128"/>
-              <a:ea typeface="HGS明朝B" pitchFamily="18" charset="-128"/>
-            </a:endParaRPr>
-          </a:p>
-        </p:txBody>
-      </p:sp>
-      <p:sp>
-        <p:nvSpPr>
-          <p:cNvPr id="3" name="コンテンツ プレースホルダ 2"/>
-          <p:cNvSpPr>
-            <a:spLocks noGrp="1"/>
-          </p:cNvSpPr>
-          <p:nvPr>
-            <p:ph idx="1"/>
-          </p:nvPr>
-        </p:nvSpPr>
-        <p:spPr>
-          <a:xfrm>
-            <a:off x="457200" y="1600201"/>
-            <a:ext cx="8229600" cy="1252735"/>
-          </a:xfrm>
-        </p:spPr>
-        <p:txBody>
-          <a:bodyPr>
-            <a:normAutofit/>
-          </a:bodyPr>
-          <a:lstStyle/>
-          <a:p>
-            <a:r>
-              <a:rPr kumimoji="1" lang="ja-JP" altLang="en-US" dirty="0" smtClean="0"/>
-              <a:t>音声によるコマンド入力</a:t>
-            </a:r>
-            <a:endParaRPr kumimoji="1" lang="en-US" altLang="ja-JP" dirty="0" smtClean="0"/>
-          </a:p>
-          <a:p>
-            <a:r>
-              <a:rPr lang="ja-JP" altLang="en-US" dirty="0" smtClean="0"/>
-              <a:t>指定された対象人物を自律的に探知して接近</a:t>
-            </a:r>
-            <a:endParaRPr kumimoji="1" lang="ja-JP" altLang="en-US" dirty="0"/>
-          </a:p>
-        </p:txBody>
-      </p:sp>
-      <p:pic>
-        <p:nvPicPr>
-          <p:cNvPr id="4" name="Picture 2" descr="C:\Users\t2ladmin\Desktop\Picture 1.jpg"/>
-          <p:cNvPicPr>
-            <a:picLocks noChangeAspect="1" noChangeArrowheads="1"/>
-          </p:cNvPicPr>
-          <p:nvPr/>
-        </p:nvPicPr>
-        <p:blipFill>
-          <a:blip r:embed="rId3" cstate="print"/>
-          <a:srcRect/>
-          <a:stretch>
-            <a:fillRect/>
-          </a:stretch>
-        </p:blipFill>
-        <p:spPr bwMode="auto">
-          <a:xfrm>
-            <a:off x="4139952" y="3573016"/>
-            <a:ext cx="4698014" cy="2808312"/>
-          </a:xfrm>
-          <a:prstGeom prst="rect">
-            <a:avLst/>
-          </a:prstGeom>
-          <a:noFill/>
-        </p:spPr>
-      </p:pic>
-      <p:pic>
-        <p:nvPicPr>
-          <p:cNvPr id="3074" name="Picture 2" descr="E:\DCIM\100ANDRO\DSC_0068.jpg"/>
-          <p:cNvPicPr>
-            <a:picLocks noChangeAspect="1" noChangeArrowheads="1"/>
-          </p:cNvPicPr>
-          <p:nvPr/>
-        </p:nvPicPr>
-        <p:blipFill>
-          <a:blip r:embed="rId4" cstate="print"/>
-          <a:srcRect/>
-          <a:stretch>
-            <a:fillRect/>
-          </a:stretch>
-        </p:blipFill>
-        <p:spPr bwMode="auto">
-          <a:xfrm>
-            <a:off x="275523" y="3573016"/>
-            <a:ext cx="3648405" cy="2736304"/>
-          </a:xfrm>
-          <a:prstGeom prst="rect">
-            <a:avLst/>
-          </a:prstGeom>
-          <a:noFill/>
-        </p:spPr>
-      </p:pic>
-    </p:spTree>
-  </p:cSld>
-  <p:clrMapOvr>
-    <a:masterClrMapping/>
-  </p:clrMapOvr>
-</p:sld>
-</file>
-
-<file path=ppt/slides/slide20.xml><?xml version="1.0" encoding="utf-8"?>
+<file path=ppt/slides/slide23.xml><?xml version="1.0" encoding="utf-8"?>
 <p:sld xmlns:a="http://schemas.openxmlformats.org/drawingml/2006/main" xmlns:r="http://schemas.openxmlformats.org/officeDocument/2006/relationships" xmlns:p="http://schemas.openxmlformats.org/presentationml/2006/main">
   <p:cSld>
     <p:spTree>
@@ -10726,7 +12003,7 @@
 </p:sld>
 </file>
 
-<file path=ppt/slides/slide21.xml><?xml version="1.0" encoding="utf-8"?>
+<file path=ppt/slides/slide24.xml><?xml version="1.0" encoding="utf-8"?>
 <p:sld xmlns:a="http://schemas.openxmlformats.org/drawingml/2006/main" xmlns:r="http://schemas.openxmlformats.org/officeDocument/2006/relationships" xmlns:p="http://schemas.openxmlformats.org/presentationml/2006/main">
   <p:cSld>
     <p:spTree>
@@ -10901,12 +12178,12 @@
           <p:nvPr/>
         </p:nvGraphicFramePr>
         <p:xfrm>
-          <a:off x="2123728" y="1268760"/>
-          <a:ext cx="1008112" cy="436707"/>
+          <a:off x="2212975" y="1268413"/>
+          <a:ext cx="830263" cy="436562"/>
         </p:xfrm>
         <a:graphic>
           <a:graphicData uri="http://schemas.openxmlformats.org/presentationml/2006/ole">
-            <p:oleObj spid="_x0000_s5122" name="数式" r:id="rId3" imgW="431640" imgH="177480" progId="Equation.3">
+            <p:oleObj spid="_x0000_s5122" name="数式" r:id="rId3" imgW="355320" imgH="177480" progId="Equation.3">
               <p:embed/>
             </p:oleObj>
           </a:graphicData>
@@ -10940,345 +12217,6 @@
 </p:sld>
 </file>
 
-<file path=ppt/slides/slide22.xml><?xml version="1.0" encoding="utf-8"?>
-<p:sld xmlns:a="http://schemas.openxmlformats.org/drawingml/2006/main" xmlns:r="http://schemas.openxmlformats.org/officeDocument/2006/relationships" xmlns:p="http://schemas.openxmlformats.org/presentationml/2006/main">
-  <p:cSld>
-    <p:spTree>
-      <p:nvGrpSpPr>
-        <p:cNvPr id="1" name=""/>
-        <p:cNvGrpSpPr/>
-        <p:nvPr/>
-      </p:nvGrpSpPr>
-      <p:grpSpPr>
-        <a:xfrm>
-          <a:off x="0" y="0"/>
-          <a:ext cx="0" cy="0"/>
-          <a:chOff x="0" y="0"/>
-          <a:chExt cx="0" cy="0"/>
-        </a:xfrm>
-      </p:grpSpPr>
-      <p:sp>
-        <p:nvSpPr>
-          <p:cNvPr id="2" name="タイトル 1"/>
-          <p:cNvSpPr>
-            <a:spLocks noGrp="1"/>
-          </p:cNvSpPr>
-          <p:nvPr>
-            <p:ph type="title"/>
-          </p:nvPr>
-        </p:nvSpPr>
-        <p:spPr>
-          <a:xfrm>
-            <a:off x="467544" y="476672"/>
-            <a:ext cx="8229600" cy="1066800"/>
-          </a:xfrm>
-        </p:spPr>
-        <p:txBody>
-          <a:bodyPr/>
-          <a:lstStyle/>
-          <a:p>
-            <a:r>
-              <a:rPr kumimoji="1" lang="ja-JP" altLang="en-US" dirty="0" smtClean="0">
-                <a:latin typeface="+mn-ea"/>
-                <a:ea typeface="+mn-ea"/>
-              </a:rPr>
-              <a:t>反省点・改善すべき点</a:t>
-            </a:r>
-            <a:r>
-              <a:rPr kumimoji="1" lang="en-US" altLang="ja-JP" dirty="0" smtClean="0">
-                <a:latin typeface="+mn-ea"/>
-                <a:ea typeface="+mn-ea"/>
-              </a:rPr>
-              <a:t>(</a:t>
-            </a:r>
-            <a:r>
-              <a:rPr kumimoji="1" lang="ja-JP" altLang="en-US" dirty="0" smtClean="0">
-                <a:latin typeface="+mn-ea"/>
-                <a:ea typeface="+mn-ea"/>
-              </a:rPr>
-              <a:t>認識</a:t>
-            </a:r>
-            <a:r>
-              <a:rPr kumimoji="1" lang="en-US" altLang="ja-JP" dirty="0" smtClean="0">
-                <a:latin typeface="+mn-ea"/>
-                <a:ea typeface="+mn-ea"/>
-              </a:rPr>
-              <a:t>)</a:t>
-            </a:r>
-            <a:endParaRPr kumimoji="1" lang="ja-JP" altLang="en-US" dirty="0">
-              <a:latin typeface="+mn-ea"/>
-              <a:ea typeface="+mn-ea"/>
-            </a:endParaRPr>
-          </a:p>
-        </p:txBody>
-      </p:sp>
-      <p:sp>
-        <p:nvSpPr>
-          <p:cNvPr id="3" name="コンテンツ プレースホルダ 2"/>
-          <p:cNvSpPr>
-            <a:spLocks noGrp="1"/>
-          </p:cNvSpPr>
-          <p:nvPr>
-            <p:ph idx="1"/>
-          </p:nvPr>
-        </p:nvSpPr>
-        <p:spPr>
-          <a:xfrm>
-            <a:off x="457200" y="1556792"/>
-            <a:ext cx="8229600" cy="5017744"/>
-          </a:xfrm>
-        </p:spPr>
-        <p:txBody>
-          <a:bodyPr/>
-          <a:lstStyle/>
-          <a:p>
-            <a:r>
-              <a:rPr kumimoji="1" lang="ja-JP" altLang="en-US" dirty="0" smtClean="0"/>
-              <a:t>正面顔からしか顔認識できない</a:t>
-            </a:r>
-            <a:endParaRPr kumimoji="1" lang="en-US" altLang="ja-JP" dirty="0" smtClean="0"/>
-          </a:p>
-          <a:p>
-            <a:pPr lvl="1"/>
-            <a:r>
-              <a:rPr lang="ja-JP" altLang="en-US" dirty="0" smtClean="0"/>
-              <a:t>側面からの認識も可能にするには？</a:t>
-            </a:r>
-            <a:endParaRPr lang="en-US" altLang="ja-JP" dirty="0" smtClean="0"/>
-          </a:p>
-          <a:p>
-            <a:pPr lvl="1">
-              <a:buNone/>
-            </a:pPr>
-            <a:endParaRPr kumimoji="1" lang="en-US" altLang="ja-JP" dirty="0" smtClean="0"/>
-          </a:p>
-          <a:p>
-            <a:r>
-              <a:rPr lang="ja-JP" altLang="en-US" dirty="0" smtClean="0"/>
-              <a:t>判別可能な人数を増やすには？</a:t>
-            </a:r>
-            <a:endParaRPr lang="en-US" altLang="ja-JP" dirty="0" smtClean="0"/>
-          </a:p>
-          <a:p>
-            <a:pPr lvl="1"/>
-            <a:r>
-              <a:rPr kumimoji="1" lang="ja-JP" altLang="en-US" dirty="0" smtClean="0"/>
-              <a:t>画像のピクセル値のみしか分析に使ってない</a:t>
-            </a:r>
-            <a:endParaRPr kumimoji="1" lang="en-US" altLang="ja-JP" dirty="0" smtClean="0"/>
-          </a:p>
-          <a:p>
-            <a:pPr lvl="1"/>
-            <a:r>
-              <a:rPr kumimoji="1" lang="ja-JP" altLang="en-US" dirty="0" smtClean="0"/>
-              <a:t>よりよい</a:t>
-            </a:r>
-            <a:r>
-              <a:rPr lang="ja-JP" altLang="en-US" dirty="0" smtClean="0"/>
-              <a:t>「特徴量」がないか？</a:t>
-            </a:r>
-            <a:endParaRPr lang="en-US" altLang="ja-JP" dirty="0" smtClean="0"/>
-          </a:p>
-          <a:p>
-            <a:pPr lvl="2"/>
-            <a:r>
-              <a:rPr kumimoji="1" lang="ja-JP" altLang="en-US" dirty="0" smtClean="0"/>
-              <a:t>目、鼻、口、耳、眉 の間の距離など</a:t>
-            </a:r>
-            <a:endParaRPr kumimoji="1" lang="ja-JP" altLang="en-US" dirty="0"/>
-          </a:p>
-        </p:txBody>
-      </p:sp>
-    </p:spTree>
-  </p:cSld>
-  <p:clrMapOvr>
-    <a:masterClrMapping/>
-  </p:clrMapOvr>
-</p:sld>
-</file>
-
-<file path=ppt/slides/slide23.xml><?xml version="1.0" encoding="utf-8"?>
-<p:sld xmlns:a="http://schemas.openxmlformats.org/drawingml/2006/main" xmlns:r="http://schemas.openxmlformats.org/officeDocument/2006/relationships" xmlns:p="http://schemas.openxmlformats.org/presentationml/2006/main">
-  <p:cSld>
-    <p:spTree>
-      <p:nvGrpSpPr>
-        <p:cNvPr id="1" name=""/>
-        <p:cNvGrpSpPr/>
-        <p:nvPr/>
-      </p:nvGrpSpPr>
-      <p:grpSpPr>
-        <a:xfrm>
-          <a:off x="0" y="0"/>
-          <a:ext cx="0" cy="0"/>
-          <a:chOff x="0" y="0"/>
-          <a:chExt cx="0" cy="0"/>
-        </a:xfrm>
-      </p:grpSpPr>
-      <p:sp>
-        <p:nvSpPr>
-          <p:cNvPr id="2" name="タイトル 1"/>
-          <p:cNvSpPr>
-            <a:spLocks noGrp="1"/>
-          </p:cNvSpPr>
-          <p:nvPr>
-            <p:ph type="title"/>
-          </p:nvPr>
-        </p:nvSpPr>
-        <p:spPr>
-          <a:xfrm>
-            <a:off x="467544" y="476672"/>
-            <a:ext cx="8229600" cy="1066800"/>
-          </a:xfrm>
-        </p:spPr>
-        <p:txBody>
-          <a:bodyPr/>
-          <a:lstStyle/>
-          <a:p>
-            <a:r>
-              <a:rPr lang="ja-JP" altLang="en-US" dirty="0" smtClean="0">
-                <a:latin typeface="+mn-ea"/>
-                <a:ea typeface="+mn-ea"/>
-              </a:rPr>
-              <a:t>反省点・改善すべき点</a:t>
-            </a:r>
-            <a:r>
-              <a:rPr lang="en-US" altLang="ja-JP" dirty="0" smtClean="0">
-                <a:latin typeface="+mn-ea"/>
-                <a:ea typeface="+mn-ea"/>
-              </a:rPr>
-              <a:t>(</a:t>
-            </a:r>
-            <a:r>
-              <a:rPr lang="ja-JP" altLang="en-US" dirty="0" smtClean="0">
-                <a:latin typeface="+mn-ea"/>
-                <a:ea typeface="+mn-ea"/>
-              </a:rPr>
-              <a:t>ハード</a:t>
-            </a:r>
-            <a:r>
-              <a:rPr lang="en-US" altLang="ja-JP" dirty="0" smtClean="0">
-                <a:latin typeface="+mn-ea"/>
-                <a:ea typeface="+mn-ea"/>
-              </a:rPr>
-              <a:t>)</a:t>
-            </a:r>
-            <a:endParaRPr kumimoji="1" lang="ja-JP" altLang="en-US" dirty="0">
-              <a:latin typeface="+mn-ea"/>
-              <a:ea typeface="+mn-ea"/>
-            </a:endParaRPr>
-          </a:p>
-        </p:txBody>
-      </p:sp>
-      <p:sp>
-        <p:nvSpPr>
-          <p:cNvPr id="3" name="コンテンツ プレースホルダ 2"/>
-          <p:cNvSpPr>
-            <a:spLocks noGrp="1"/>
-          </p:cNvSpPr>
-          <p:nvPr>
-            <p:ph idx="1"/>
-          </p:nvPr>
-        </p:nvSpPr>
-        <p:spPr>
-          <a:xfrm>
-            <a:off x="457200" y="1556792"/>
-            <a:ext cx="8229600" cy="5017744"/>
-          </a:xfrm>
-        </p:spPr>
-        <p:txBody>
-          <a:bodyPr/>
-          <a:lstStyle/>
-          <a:p>
-            <a:endParaRPr kumimoji="1" lang="ja-JP" altLang="en-US" dirty="0"/>
-          </a:p>
-        </p:txBody>
-      </p:sp>
-    </p:spTree>
-  </p:cSld>
-  <p:clrMapOvr>
-    <a:masterClrMapping/>
-  </p:clrMapOvr>
-</p:sld>
-</file>
-
-<file path=ppt/slides/slide24.xml><?xml version="1.0" encoding="utf-8"?>
-<p:sld xmlns:a="http://schemas.openxmlformats.org/drawingml/2006/main" xmlns:r="http://schemas.openxmlformats.org/officeDocument/2006/relationships" xmlns:p="http://schemas.openxmlformats.org/presentationml/2006/main">
-  <p:cSld>
-    <p:spTree>
-      <p:nvGrpSpPr>
-        <p:cNvPr id="1" name=""/>
-        <p:cNvGrpSpPr/>
-        <p:nvPr/>
-      </p:nvGrpSpPr>
-      <p:grpSpPr>
-        <a:xfrm>
-          <a:off x="0" y="0"/>
-          <a:ext cx="0" cy="0"/>
-          <a:chOff x="0" y="0"/>
-          <a:chExt cx="0" cy="0"/>
-        </a:xfrm>
-      </p:grpSpPr>
-      <p:sp>
-        <p:nvSpPr>
-          <p:cNvPr id="2" name="タイトル 1"/>
-          <p:cNvSpPr>
-            <a:spLocks noGrp="1"/>
-          </p:cNvSpPr>
-          <p:nvPr>
-            <p:ph type="title"/>
-          </p:nvPr>
-        </p:nvSpPr>
-        <p:spPr>
-          <a:xfrm>
-            <a:off x="467544" y="692696"/>
-            <a:ext cx="8229600" cy="1066800"/>
-          </a:xfrm>
-        </p:spPr>
-        <p:txBody>
-          <a:bodyPr/>
-          <a:lstStyle/>
-          <a:p>
-            <a:r>
-              <a:rPr kumimoji="1" lang="ja-JP" altLang="en-US" dirty="0" smtClean="0">
-                <a:latin typeface="+mn-ea"/>
-                <a:ea typeface="+mn-ea"/>
-              </a:rPr>
-              <a:t>質疑応答</a:t>
-            </a:r>
-            <a:endParaRPr kumimoji="1" lang="ja-JP" altLang="en-US" dirty="0">
-              <a:latin typeface="+mn-ea"/>
-              <a:ea typeface="+mn-ea"/>
-            </a:endParaRPr>
-          </a:p>
-        </p:txBody>
-      </p:sp>
-      <p:sp>
-        <p:nvSpPr>
-          <p:cNvPr id="3" name="コンテンツ プレースホルダ 2"/>
-          <p:cNvSpPr>
-            <a:spLocks noGrp="1"/>
-          </p:cNvSpPr>
-          <p:nvPr>
-            <p:ph idx="1"/>
-          </p:nvPr>
-        </p:nvSpPr>
-        <p:spPr/>
-        <p:txBody>
-          <a:bodyPr/>
-          <a:lstStyle/>
-          <a:p>
-            <a:endParaRPr kumimoji="1" lang="ja-JP" altLang="en-US" dirty="0"/>
-          </a:p>
-        </p:txBody>
-      </p:sp>
-    </p:spTree>
-  </p:cSld>
-  <p:clrMapOvr>
-    <a:masterClrMapping/>
-  </p:clrMapOvr>
-</p:sld>
-</file>
-
 <file path=ppt/slides/slide25.xml><?xml version="1.0" encoding="utf-8"?>
 <p:sld xmlns:a="http://schemas.openxmlformats.org/drawingml/2006/main" xmlns:r="http://schemas.openxmlformats.org/officeDocument/2006/relationships" xmlns:p="http://schemas.openxmlformats.org/presentationml/2006/main">
   <p:cSld>
@@ -11308,7 +12246,7 @@
         </p:nvSpPr>
         <p:spPr>
           <a:xfrm>
-            <a:off x="467544" y="620688"/>
+            <a:off x="467544" y="476672"/>
             <a:ext cx="8229600" cy="1066800"/>
           </a:xfrm>
         </p:spPr>
@@ -11317,11 +12255,32 @@
           <a:lstStyle/>
           <a:p>
             <a:r>
-              <a:rPr lang="ja-JP" altLang="en-US" dirty="0" smtClean="0">
+              <a:rPr kumimoji="1" lang="ja-JP" altLang="en-US" dirty="0" smtClean="0">
                 <a:latin typeface="+mn-ea"/>
                 <a:ea typeface="+mn-ea"/>
               </a:rPr>
-              <a:t>謝辞</a:t>
+              <a:t>反省点・改善すべき点</a:t>
+            </a:r>
+            <a:r>
+              <a:rPr kumimoji="1" lang="en-US" altLang="ja-JP" dirty="0" smtClean="0">
+                <a:latin typeface="+mn-ea"/>
+                <a:ea typeface="+mn-ea"/>
+              </a:rPr>
+              <a:t>(</a:t>
+            </a:r>
+            <a:r>
+              <a:rPr kumimoji="1" lang="ja-JP" altLang="en-US" dirty="0" smtClean="0">
+                <a:latin typeface="+mn-ea"/>
+                <a:ea typeface="+mn-ea"/>
+              </a:rPr>
+              <a:t>認識</a:t>
+            </a:r>
+            <a:r>
+              <a:rPr kumimoji="1" lang="en-US" altLang="ja-JP" dirty="0" smtClean="0">
+                <a:latin typeface="+mn-ea"/>
+                <a:ea typeface="+mn-ea"/>
+              </a:rPr>
+              <a:t>)</a:t>
             </a:r>
             <a:endParaRPr kumimoji="1" lang="ja-JP" altLang="en-US" dirty="0">
               <a:latin typeface="+mn-ea"/>
@@ -11342,8 +12301,8 @@
         </p:nvSpPr>
         <p:spPr>
           <a:xfrm>
-            <a:off x="457200" y="1628800"/>
-            <a:ext cx="8229600" cy="4945736"/>
+            <a:off x="457200" y="1556792"/>
+            <a:ext cx="8229600" cy="5017744"/>
           </a:xfrm>
         </p:spPr>
         <p:txBody>
@@ -11351,37 +12310,110 @@
           <a:lstStyle/>
           <a:p>
             <a:r>
+              <a:rPr kumimoji="1" lang="ja-JP" altLang="en-US" dirty="0" smtClean="0"/>
+              <a:t>正面顔からしか顔認識できない</a:t>
+            </a:r>
+            <a:endParaRPr kumimoji="1" lang="en-US" altLang="ja-JP" dirty="0" smtClean="0"/>
+          </a:p>
+          <a:p>
+            <a:pPr lvl="1"/>
+            <a:r>
               <a:rPr lang="ja-JP" altLang="en-US" dirty="0" smtClean="0"/>
-              <a:t>助教の鈴木先生から、製作の方針を大いに与えていただき非常に助かりました。</a:t>
+              <a:t>側面からの認識も可能にするには</a:t>
+            </a:r>
+            <a:r>
+              <a:rPr lang="ja-JP" altLang="en-US" dirty="0" smtClean="0"/>
+              <a:t>？</a:t>
+            </a:r>
+            <a:endParaRPr kumimoji="1" lang="en-US" altLang="ja-JP" dirty="0" smtClean="0"/>
+          </a:p>
+          <a:p>
+            <a:r>
+              <a:rPr lang="ja-JP" altLang="en-US" dirty="0" smtClean="0"/>
+              <a:t>認識精度を上げるには？</a:t>
             </a:r>
             <a:endParaRPr lang="en-US" altLang="ja-JP" dirty="0" smtClean="0"/>
           </a:p>
           <a:p>
+            <a:r>
+              <a:rPr lang="ja-JP" altLang="en-US" dirty="0" smtClean="0"/>
+              <a:t>判別</a:t>
+            </a:r>
+            <a:r>
+              <a:rPr lang="ja-JP" altLang="en-US" dirty="0" smtClean="0"/>
+              <a:t>可能な人数を増やすには</a:t>
+            </a:r>
+            <a:r>
+              <a:rPr lang="ja-JP" altLang="en-US" dirty="0" smtClean="0"/>
+              <a:t>？</a:t>
+            </a:r>
             <a:endParaRPr lang="en-US" altLang="ja-JP" dirty="0" smtClean="0"/>
           </a:p>
           <a:p>
-            <a:r>
-              <a:rPr lang="en-US" altLang="ja-JP" dirty="0" smtClean="0"/>
-              <a:t>TA</a:t>
+            <a:pPr lvl="1"/>
+            <a:r>
+              <a:rPr kumimoji="1" lang="ja-JP" altLang="en-US" dirty="0" smtClean="0"/>
+              <a:t>画像のピクセル値のみしか分析に使ってない</a:t>
+            </a:r>
+            <a:endParaRPr kumimoji="1" lang="en-US" altLang="ja-JP" dirty="0" smtClean="0"/>
+          </a:p>
+          <a:p>
+            <a:pPr lvl="1"/>
+            <a:r>
+              <a:rPr kumimoji="1" lang="ja-JP" altLang="en-US" dirty="0" smtClean="0"/>
+              <a:t>よりよい</a:t>
             </a:r>
             <a:r>
               <a:rPr lang="ja-JP" altLang="en-US" dirty="0" smtClean="0"/>
-              <a:t>の溝江さんにも、とてもお世話になりました。</a:t>
+              <a:t>「特徴量」がないか？</a:t>
             </a:r>
             <a:endParaRPr lang="en-US" altLang="ja-JP" dirty="0" smtClean="0"/>
           </a:p>
           <a:p>
+            <a:pPr lvl="2"/>
+            <a:r>
+              <a:rPr kumimoji="1" lang="ja-JP" altLang="en-US" dirty="0" smtClean="0"/>
+              <a:t>目、鼻、口、耳、眉 の間の距離</a:t>
+            </a:r>
+            <a:r>
+              <a:rPr kumimoji="1" lang="ja-JP" altLang="en-US" dirty="0" smtClean="0"/>
+              <a:t>など</a:t>
+            </a:r>
             <a:endParaRPr kumimoji="1" lang="en-US" altLang="ja-JP" dirty="0" smtClean="0"/>
           </a:p>
           <a:p>
+            <a:pPr lvl="2"/>
+            <a:endParaRPr kumimoji="1" lang="en-US" altLang="ja-JP" dirty="0" smtClean="0"/>
+          </a:p>
+          <a:p>
+            <a:r>
+              <a:rPr lang="ja-JP" altLang="en-US" dirty="0" smtClean="0"/>
+              <a:t>よさそうな音声認識ソフトを探すのに苦労した。</a:t>
+            </a:r>
             <a:endParaRPr lang="en-US" altLang="ja-JP" dirty="0" smtClean="0"/>
           </a:p>
           <a:p>
             <a:r>
-              <a:rPr lang="ja-JP" altLang="en-US" sz="1600" dirty="0" smtClean="0"/>
-              <a:t>実験室のお菓子、結構食べてました。勝手に食べてもよかったのか気になる・・・</a:t>
-            </a:r>
-            <a:endParaRPr kumimoji="1" lang="ja-JP" altLang="en-US" sz="1600" dirty="0"/>
+              <a:rPr lang="ja-JP" altLang="en-US" dirty="0" smtClean="0"/>
+              <a:t>文の認識が難しかった。</a:t>
+            </a:r>
+          </a:p>
+          <a:p>
+            <a:endParaRPr lang="en-US" altLang="ja-JP" dirty="0" smtClean="0"/>
+          </a:p>
+          <a:p>
+            <a:pPr lvl="2"/>
+            <a:endParaRPr kumimoji="1" lang="en-US" altLang="ja-JP" dirty="0" smtClean="0"/>
+          </a:p>
+          <a:p>
+            <a:pPr lvl="2"/>
+            <a:endParaRPr lang="en-US" altLang="ja-JP" dirty="0" smtClean="0"/>
+          </a:p>
+          <a:p>
+            <a:pPr lvl="2">
+              <a:buNone/>
+            </a:pPr>
+            <a:endParaRPr kumimoji="1" lang="en-US" altLang="ja-JP" dirty="0" smtClean="0"/>
           </a:p>
         </p:txBody>
       </p:sp>
@@ -11422,24 +12454,99 @@
         </p:nvSpPr>
         <p:spPr>
           <a:xfrm>
-            <a:off x="1115616" y="3212976"/>
-            <a:ext cx="6912768" cy="1066800"/>
-          </a:xfrm>
-        </p:spPr>
-        <p:txBody>
-          <a:bodyPr>
-            <a:normAutofit fontScale="90000"/>
-          </a:bodyPr>
+            <a:off x="467544" y="476672"/>
+            <a:ext cx="8229600" cy="1066800"/>
+          </a:xfrm>
+        </p:spPr>
+        <p:txBody>
+          <a:bodyPr/>
+          <a:lstStyle/>
+          <a:p>
+            <a:r>
+              <a:rPr lang="ja-JP" altLang="en-US" dirty="0" smtClean="0">
+                <a:latin typeface="+mn-ea"/>
+                <a:ea typeface="+mn-ea"/>
+              </a:rPr>
+              <a:t>反省点・改善すべき点</a:t>
+            </a:r>
+            <a:r>
+              <a:rPr lang="en-US" altLang="ja-JP" dirty="0" smtClean="0">
+                <a:latin typeface="+mn-ea"/>
+                <a:ea typeface="+mn-ea"/>
+              </a:rPr>
+              <a:t>(</a:t>
+            </a:r>
+            <a:r>
+              <a:rPr lang="ja-JP" altLang="en-US" dirty="0" smtClean="0">
+                <a:latin typeface="+mn-ea"/>
+                <a:ea typeface="+mn-ea"/>
+              </a:rPr>
+              <a:t>ハード</a:t>
+            </a:r>
+            <a:r>
+              <a:rPr lang="en-US" altLang="ja-JP" dirty="0" smtClean="0">
+                <a:latin typeface="+mn-ea"/>
+                <a:ea typeface="+mn-ea"/>
+              </a:rPr>
+              <a:t>)</a:t>
+            </a:r>
+            <a:endParaRPr kumimoji="1" lang="ja-JP" altLang="en-US" dirty="0">
+              <a:latin typeface="+mn-ea"/>
+              <a:ea typeface="+mn-ea"/>
+            </a:endParaRPr>
+          </a:p>
+        </p:txBody>
+      </p:sp>
+      <p:sp>
+        <p:nvSpPr>
+          <p:cNvPr id="3" name="コンテンツ プレースホルダ 2"/>
+          <p:cNvSpPr>
+            <a:spLocks noGrp="1"/>
+          </p:cNvSpPr>
+          <p:nvPr>
+            <p:ph idx="1"/>
+          </p:nvPr>
+        </p:nvSpPr>
+        <p:spPr>
+          <a:xfrm>
+            <a:off x="457200" y="1556792"/>
+            <a:ext cx="8229600" cy="5017744"/>
+          </a:xfrm>
+        </p:spPr>
+        <p:txBody>
+          <a:bodyPr/>
           <a:lstStyle/>
           <a:p>
             <a:r>
               <a:rPr lang="ja-JP" altLang="en-US" dirty="0" smtClean="0"/>
-              <a:t>ご清聴ありがとうございました</a:t>
-            </a:r>
-            <a:br>
+              <a:t>右のタイヤ、左のタイヤが別モーターで動いているため、前進、後進の時に少し曲がる。</a:t>
+            </a:r>
+            <a:endParaRPr lang="en-US" altLang="ja-JP" dirty="0" smtClean="0"/>
+          </a:p>
+          <a:p>
+            <a:r>
               <a:rPr lang="ja-JP" altLang="en-US" dirty="0" smtClean="0"/>
-            </a:br>
-            <a:endParaRPr kumimoji="1" lang="ja-JP" altLang="en-US" dirty="0"/>
+              <a:t>後輪タイヤで前後の動き、前輪タイヤで方向を調節すればよかったかもしれないが、その場で方向転換できなくなる。</a:t>
+            </a:r>
+            <a:endParaRPr lang="en-US" altLang="ja-JP" dirty="0" smtClean="0"/>
+          </a:p>
+          <a:p>
+            <a:r>
+              <a:rPr lang="ja-JP" altLang="en-US" dirty="0" smtClean="0"/>
+              <a:t>その場での方向転換のスピードを遅くするために前進後進のスピードが遅くなった。</a:t>
+            </a:r>
+            <a:endParaRPr lang="en-US" altLang="ja-JP" dirty="0" smtClean="0"/>
+          </a:p>
+          <a:p>
+            <a:r>
+              <a:rPr lang="ja-JP" altLang="en-US" dirty="0" smtClean="0"/>
+              <a:t>カメラ</a:t>
+            </a:r>
+            <a:r>
+              <a:rPr lang="ja-JP" altLang="en-US" dirty="0" smtClean="0"/>
+              <a:t>角度をステッピングモーターを使ってより微細なコントロール。</a:t>
+            </a:r>
+            <a:endParaRPr lang="en-US" altLang="ja-JP" dirty="0" smtClean="0"/>
           </a:p>
         </p:txBody>
       </p:sp>
@@ -11478,31 +12585,46 @@
             <p:ph type="title"/>
           </p:nvPr>
         </p:nvSpPr>
+        <p:spPr>
+          <a:xfrm>
+            <a:off x="467544" y="692696"/>
+            <a:ext cx="8229600" cy="1066800"/>
+          </a:xfrm>
+        </p:spPr>
+        <p:txBody>
+          <a:bodyPr/>
+          <a:lstStyle/>
+          <a:p>
+            <a:r>
+              <a:rPr kumimoji="1" lang="ja-JP" altLang="en-US" dirty="0" smtClean="0">
+                <a:latin typeface="+mn-ea"/>
+                <a:ea typeface="+mn-ea"/>
+              </a:rPr>
+              <a:t>質疑応答</a:t>
+            </a:r>
+            <a:endParaRPr kumimoji="1" lang="ja-JP" altLang="en-US" dirty="0">
+              <a:latin typeface="+mn-ea"/>
+              <a:ea typeface="+mn-ea"/>
+            </a:endParaRPr>
+          </a:p>
+        </p:txBody>
+      </p:sp>
+      <p:sp>
+        <p:nvSpPr>
+          <p:cNvPr id="3" name="コンテンツ プレースホルダ 2"/>
+          <p:cNvSpPr>
+            <a:spLocks noGrp="1"/>
+          </p:cNvSpPr>
+          <p:nvPr>
+            <p:ph idx="1"/>
+          </p:nvPr>
+        </p:nvSpPr>
         <p:spPr/>
         <p:txBody>
           <a:bodyPr/>
           <a:lstStyle/>
           <a:p>
-            <a:endParaRPr kumimoji="1" lang="ja-JP" altLang="en-US"/>
-          </a:p>
-        </p:txBody>
-      </p:sp>
-      <p:sp>
-        <p:nvSpPr>
-          <p:cNvPr id="3" name="コンテンツ プレースホルダ 2"/>
-          <p:cNvSpPr>
-            <a:spLocks noGrp="1"/>
-          </p:cNvSpPr>
-          <p:nvPr>
-            <p:ph idx="1"/>
-          </p:nvPr>
-        </p:nvSpPr>
-        <p:spPr/>
-        <p:txBody>
-          <a:bodyPr/>
-          <a:lstStyle/>
-          <a:p>
-            <a:endParaRPr kumimoji="1" lang="ja-JP" altLang="en-US"/>
+            <a:endParaRPr kumimoji="1" lang="ja-JP" altLang="en-US" dirty="0"/>
           </a:p>
         </p:txBody>
       </p:sp>
@@ -11515,6 +12637,505 @@
 </file>
 
 <file path=ppt/slides/slide28.xml><?xml version="1.0" encoding="utf-8"?>
+<p:sld xmlns:a="http://schemas.openxmlformats.org/drawingml/2006/main" xmlns:r="http://schemas.openxmlformats.org/officeDocument/2006/relationships" xmlns:p="http://schemas.openxmlformats.org/presentationml/2006/main">
+  <p:cSld>
+    <p:spTree>
+      <p:nvGrpSpPr>
+        <p:cNvPr id="1" name=""/>
+        <p:cNvGrpSpPr/>
+        <p:nvPr/>
+      </p:nvGrpSpPr>
+      <p:grpSpPr>
+        <a:xfrm>
+          <a:off x="0" y="0"/>
+          <a:ext cx="0" cy="0"/>
+          <a:chOff x="0" y="0"/>
+          <a:chExt cx="0" cy="0"/>
+        </a:xfrm>
+      </p:grpSpPr>
+      <p:sp>
+        <p:nvSpPr>
+          <p:cNvPr id="2" name="タイトル 1"/>
+          <p:cNvSpPr>
+            <a:spLocks noGrp="1"/>
+          </p:cNvSpPr>
+          <p:nvPr>
+            <p:ph type="title"/>
+          </p:nvPr>
+        </p:nvSpPr>
+        <p:spPr>
+          <a:xfrm>
+            <a:off x="467544" y="620688"/>
+            <a:ext cx="8229600" cy="1066800"/>
+          </a:xfrm>
+        </p:spPr>
+        <p:txBody>
+          <a:bodyPr/>
+          <a:lstStyle/>
+          <a:p>
+            <a:r>
+              <a:rPr lang="ja-JP" altLang="en-US" dirty="0" smtClean="0">
+                <a:latin typeface="+mn-ea"/>
+                <a:ea typeface="+mn-ea"/>
+              </a:rPr>
+              <a:t>謝辞</a:t>
+            </a:r>
+            <a:endParaRPr kumimoji="1" lang="ja-JP" altLang="en-US" dirty="0">
+              <a:latin typeface="+mn-ea"/>
+              <a:ea typeface="+mn-ea"/>
+            </a:endParaRPr>
+          </a:p>
+        </p:txBody>
+      </p:sp>
+      <p:sp>
+        <p:nvSpPr>
+          <p:cNvPr id="3" name="コンテンツ プレースホルダ 2"/>
+          <p:cNvSpPr>
+            <a:spLocks noGrp="1"/>
+          </p:cNvSpPr>
+          <p:nvPr>
+            <p:ph idx="1"/>
+          </p:nvPr>
+        </p:nvSpPr>
+        <p:spPr>
+          <a:xfrm>
+            <a:off x="457200" y="1628800"/>
+            <a:ext cx="8229600" cy="4945736"/>
+          </a:xfrm>
+        </p:spPr>
+        <p:txBody>
+          <a:bodyPr/>
+          <a:lstStyle/>
+          <a:p>
+            <a:r>
+              <a:rPr lang="ja-JP" altLang="en-US" dirty="0" smtClean="0"/>
+              <a:t>助教の鈴木先生から、製作の方針を大いに与えていただき非常に助かりました。</a:t>
+            </a:r>
+            <a:endParaRPr lang="en-US" altLang="ja-JP" dirty="0" smtClean="0"/>
+          </a:p>
+          <a:p>
+            <a:endParaRPr lang="en-US" altLang="ja-JP" dirty="0" smtClean="0"/>
+          </a:p>
+          <a:p>
+            <a:r>
+              <a:rPr lang="en-US" altLang="ja-JP" dirty="0" smtClean="0"/>
+              <a:t>TA</a:t>
+            </a:r>
+            <a:r>
+              <a:rPr lang="ja-JP" altLang="en-US" dirty="0" smtClean="0"/>
+              <a:t>の溝江さんにも、とてもお世話になりました。</a:t>
+            </a:r>
+            <a:endParaRPr lang="en-US" altLang="ja-JP" dirty="0" smtClean="0"/>
+          </a:p>
+          <a:p>
+            <a:endParaRPr kumimoji="1" lang="en-US" altLang="ja-JP" dirty="0" smtClean="0"/>
+          </a:p>
+          <a:p>
+            <a:endParaRPr lang="en-US" altLang="ja-JP" dirty="0" smtClean="0"/>
+          </a:p>
+          <a:p>
+            <a:r>
+              <a:rPr lang="ja-JP" altLang="en-US" sz="1600" dirty="0" smtClean="0"/>
+              <a:t>実験室のお菓子、結構食べてました。勝手に食べてもよかったのか気になる・・・</a:t>
+            </a:r>
+            <a:endParaRPr kumimoji="1" lang="ja-JP" altLang="en-US" sz="1600" dirty="0"/>
+          </a:p>
+        </p:txBody>
+      </p:sp>
+    </p:spTree>
+  </p:cSld>
+  <p:clrMapOvr>
+    <a:masterClrMapping/>
+  </p:clrMapOvr>
+</p:sld>
+</file>
+
+<file path=ppt/slides/slide29.xml><?xml version="1.0" encoding="utf-8"?>
+<p:sld xmlns:a="http://schemas.openxmlformats.org/drawingml/2006/main" xmlns:r="http://schemas.openxmlformats.org/officeDocument/2006/relationships" xmlns:p="http://schemas.openxmlformats.org/presentationml/2006/main">
+  <p:cSld>
+    <p:spTree>
+      <p:nvGrpSpPr>
+        <p:cNvPr id="1" name=""/>
+        <p:cNvGrpSpPr/>
+        <p:nvPr/>
+      </p:nvGrpSpPr>
+      <p:grpSpPr>
+        <a:xfrm>
+          <a:off x="0" y="0"/>
+          <a:ext cx="0" cy="0"/>
+          <a:chOff x="0" y="0"/>
+          <a:chExt cx="0" cy="0"/>
+        </a:xfrm>
+      </p:grpSpPr>
+      <p:sp>
+        <p:nvSpPr>
+          <p:cNvPr id="2" name="タイトル 1"/>
+          <p:cNvSpPr>
+            <a:spLocks noGrp="1"/>
+          </p:cNvSpPr>
+          <p:nvPr>
+            <p:ph type="title"/>
+          </p:nvPr>
+        </p:nvSpPr>
+        <p:spPr>
+          <a:xfrm>
+            <a:off x="1115616" y="3212976"/>
+            <a:ext cx="6912768" cy="1066800"/>
+          </a:xfrm>
+        </p:spPr>
+        <p:txBody>
+          <a:bodyPr>
+            <a:normAutofit fontScale="90000"/>
+          </a:bodyPr>
+          <a:lstStyle/>
+          <a:p>
+            <a:r>
+              <a:rPr lang="ja-JP" altLang="en-US" dirty="0" smtClean="0"/>
+              <a:t>ご清聴ありがとうございました</a:t>
+            </a:r>
+            <a:br>
+              <a:rPr lang="ja-JP" altLang="en-US" dirty="0" smtClean="0"/>
+            </a:br>
+            <a:endParaRPr kumimoji="1" lang="ja-JP" altLang="en-US" dirty="0"/>
+          </a:p>
+        </p:txBody>
+      </p:sp>
+    </p:spTree>
+  </p:cSld>
+  <p:clrMapOvr>
+    <a:masterClrMapping/>
+  </p:clrMapOvr>
+</p:sld>
+</file>
+
+<file path=ppt/slides/slide3.xml><?xml version="1.0" encoding="utf-8"?>
+<p:sld xmlns:a="http://schemas.openxmlformats.org/drawingml/2006/main" xmlns:r="http://schemas.openxmlformats.org/officeDocument/2006/relationships" xmlns:p="http://schemas.openxmlformats.org/presentationml/2006/main">
+  <p:cSld>
+    <p:spTree>
+      <p:nvGrpSpPr>
+        <p:cNvPr id="1" name=""/>
+        <p:cNvGrpSpPr/>
+        <p:nvPr/>
+      </p:nvGrpSpPr>
+      <p:grpSpPr>
+        <a:xfrm>
+          <a:off x="0" y="0"/>
+          <a:ext cx="0" cy="0"/>
+          <a:chOff x="0" y="0"/>
+          <a:chExt cx="0" cy="0"/>
+        </a:xfrm>
+      </p:grpSpPr>
+      <p:sp>
+        <p:nvSpPr>
+          <p:cNvPr id="2" name="タイトル 1"/>
+          <p:cNvSpPr>
+            <a:spLocks noGrp="1"/>
+          </p:cNvSpPr>
+          <p:nvPr>
+            <p:ph type="title"/>
+          </p:nvPr>
+        </p:nvSpPr>
+        <p:spPr>
+          <a:xfrm>
+            <a:off x="323528" y="476672"/>
+            <a:ext cx="8229600" cy="1066800"/>
+          </a:xfrm>
+        </p:spPr>
+        <p:txBody>
+          <a:bodyPr>
+            <a:normAutofit/>
+          </a:bodyPr>
+          <a:lstStyle/>
+          <a:p>
+            <a:r>
+              <a:rPr lang="ja-JP" altLang="en-US" dirty="0" smtClean="0">
+                <a:latin typeface="HGS明朝B" pitchFamily="18" charset="-128"/>
+                <a:ea typeface="HGS明朝B" pitchFamily="18" charset="-128"/>
+              </a:rPr>
+              <a:t>自律認識ラジコン試作零号機</a:t>
+            </a:r>
+            <a:endParaRPr kumimoji="1" lang="ja-JP" altLang="en-US" dirty="0"/>
+          </a:p>
+        </p:txBody>
+      </p:sp>
+      <p:sp>
+        <p:nvSpPr>
+          <p:cNvPr id="3" name="コンテンツ プレースホルダ 2"/>
+          <p:cNvSpPr>
+            <a:spLocks noGrp="1"/>
+          </p:cNvSpPr>
+          <p:nvPr>
+            <p:ph idx="1"/>
+          </p:nvPr>
+        </p:nvSpPr>
+        <p:spPr>
+          <a:xfrm>
+            <a:off x="457200" y="1700808"/>
+            <a:ext cx="8229600" cy="4873728"/>
+          </a:xfrm>
+        </p:spPr>
+        <p:txBody>
+          <a:bodyPr/>
+          <a:lstStyle/>
+          <a:p>
+            <a:r>
+              <a:rPr kumimoji="1" lang="ja-JP" altLang="en-US" dirty="0" smtClean="0"/>
+              <a:t>担当パート</a:t>
+            </a:r>
+            <a:endParaRPr kumimoji="1" lang="en-US" altLang="ja-JP" dirty="0" smtClean="0"/>
+          </a:p>
+          <a:p>
+            <a:pPr lvl="1"/>
+            <a:r>
+              <a:rPr lang="ja-JP" altLang="en-US" dirty="0" smtClean="0"/>
+              <a:t>画像認識・音声認識</a:t>
+            </a:r>
+            <a:endParaRPr lang="en-US" altLang="ja-JP" dirty="0" smtClean="0"/>
+          </a:p>
+          <a:p>
+            <a:pPr lvl="2"/>
+            <a:r>
+              <a:rPr kumimoji="1" lang="ja-JP" altLang="en-US" dirty="0" smtClean="0"/>
+              <a:t>青井　黒川　梁</a:t>
+            </a:r>
+            <a:endParaRPr kumimoji="1" lang="en-US" altLang="ja-JP" dirty="0" smtClean="0"/>
+          </a:p>
+          <a:p>
+            <a:pPr lvl="1"/>
+            <a:endParaRPr lang="en-US" altLang="ja-JP" dirty="0" smtClean="0"/>
+          </a:p>
+          <a:p>
+            <a:pPr lvl="1"/>
+            <a:endParaRPr kumimoji="1" lang="en-US" altLang="ja-JP" dirty="0" smtClean="0"/>
+          </a:p>
+          <a:p>
+            <a:pPr lvl="1"/>
+            <a:r>
+              <a:rPr lang="ja-JP" altLang="en-US" dirty="0" smtClean="0"/>
+              <a:t>ラジコン制作・マイコンプログラム</a:t>
+            </a:r>
+            <a:endParaRPr lang="en-US" altLang="ja-JP" dirty="0" smtClean="0"/>
+          </a:p>
+          <a:p>
+            <a:pPr lvl="2"/>
+            <a:r>
+              <a:rPr kumimoji="1" lang="ja-JP" altLang="en-US" dirty="0" smtClean="0"/>
+              <a:t>牛丸　</a:t>
+            </a:r>
+            <a:r>
+              <a:rPr kumimoji="1" lang="ja-JP" altLang="en-US" dirty="0" err="1" smtClean="0"/>
+              <a:t>貝ヶ</a:t>
+            </a:r>
+            <a:r>
+              <a:rPr kumimoji="1" lang="ja-JP" altLang="en-US" dirty="0" smtClean="0"/>
+              <a:t>石</a:t>
+            </a:r>
+            <a:endParaRPr kumimoji="1" lang="ja-JP" altLang="en-US" dirty="0"/>
+          </a:p>
+        </p:txBody>
+      </p:sp>
+      <p:pic>
+        <p:nvPicPr>
+          <p:cNvPr id="4" name="Picture 2" descr="C:\Users\t2ladmin\Documents\Visual Studio 2010\Projects\FaceRecognition3\FaceRecognition3\faces\aoi50\aoikai0002.bmp"/>
+          <p:cNvPicPr>
+            <a:picLocks noChangeAspect="1" noChangeArrowheads="1"/>
+          </p:cNvPicPr>
+          <p:nvPr/>
+        </p:nvPicPr>
+        <p:blipFill>
+          <a:blip r:embed="rId3" cstate="print"/>
+          <a:srcRect/>
+          <a:stretch>
+            <a:fillRect/>
+          </a:stretch>
+        </p:blipFill>
+        <p:spPr bwMode="auto">
+          <a:xfrm>
+            <a:off x="4932040" y="2708920"/>
+            <a:ext cx="951160" cy="951160"/>
+          </a:xfrm>
+          <a:prstGeom prst="rect">
+            <a:avLst/>
+          </a:prstGeom>
+          <a:noFill/>
+        </p:spPr>
+      </p:pic>
+      <p:pic>
+        <p:nvPicPr>
+          <p:cNvPr id="6" name="Picture 4" descr="C:\Users\t2ladmin\Documents\Visual Studio 2010\Projects\FaceRecognition3\FaceRecognition3\faces\liang50\liang0008.bmp"/>
+          <p:cNvPicPr>
+            <a:picLocks noChangeAspect="1" noChangeArrowheads="1"/>
+          </p:cNvPicPr>
+          <p:nvPr/>
+        </p:nvPicPr>
+        <p:blipFill>
+          <a:blip r:embed="rId4" cstate="print"/>
+          <a:srcRect/>
+          <a:stretch>
+            <a:fillRect/>
+          </a:stretch>
+        </p:blipFill>
+        <p:spPr bwMode="auto">
+          <a:xfrm>
+            <a:off x="7164288" y="2708920"/>
+            <a:ext cx="936104" cy="936104"/>
+          </a:xfrm>
+          <a:prstGeom prst="rect">
+            <a:avLst/>
+          </a:prstGeom>
+          <a:noFill/>
+        </p:spPr>
+      </p:pic>
+      <p:pic>
+        <p:nvPicPr>
+          <p:cNvPr id="57346" name="Picture 2" descr="C:\Users\t2ladmin\Documents\Visual Studio 2010\Projects\FaceRecognition3\FaceRecognition3\faces\kuro3\kuro30007.bmp"/>
+          <p:cNvPicPr>
+            <a:picLocks noChangeAspect="1" noChangeArrowheads="1"/>
+          </p:cNvPicPr>
+          <p:nvPr/>
+        </p:nvPicPr>
+        <p:blipFill>
+          <a:blip r:embed="rId5" cstate="print"/>
+          <a:srcRect/>
+          <a:stretch>
+            <a:fillRect/>
+          </a:stretch>
+        </p:blipFill>
+        <p:spPr bwMode="auto">
+          <a:xfrm>
+            <a:off x="6084168" y="2708920"/>
+            <a:ext cx="936104" cy="936104"/>
+          </a:xfrm>
+          <a:prstGeom prst="rect">
+            <a:avLst/>
+          </a:prstGeom>
+          <a:noFill/>
+        </p:spPr>
+      </p:pic>
+      <p:pic>
+        <p:nvPicPr>
+          <p:cNvPr id="57347" name="Picture 3" descr="C:\Users\t2ladmin\Documents\Visual Studio 2010\Projects\FaceRecognition3\FaceRecognition3\faces\shell3\shell30118.bmp"/>
+          <p:cNvPicPr>
+            <a:picLocks noChangeAspect="1" noChangeArrowheads="1"/>
+          </p:cNvPicPr>
+          <p:nvPr/>
+        </p:nvPicPr>
+        <p:blipFill>
+          <a:blip r:embed="rId6" cstate="print"/>
+          <a:srcRect/>
+          <a:stretch>
+            <a:fillRect/>
+          </a:stretch>
+        </p:blipFill>
+        <p:spPr bwMode="auto">
+          <a:xfrm>
+            <a:off x="7020272" y="4797152"/>
+            <a:ext cx="936104" cy="936104"/>
+          </a:xfrm>
+          <a:prstGeom prst="rect">
+            <a:avLst/>
+          </a:prstGeom>
+          <a:noFill/>
+        </p:spPr>
+      </p:pic>
+      <p:pic>
+        <p:nvPicPr>
+          <p:cNvPr id="57348" name="Picture 4" descr="C:\Users\t2ladmin\Documents\Visual Studio 2010\Projects\FaceRecognition3\FaceRecognition3\faces\ushi3\ushi30023.bmp"/>
+          <p:cNvPicPr>
+            <a:picLocks noChangeAspect="1" noChangeArrowheads="1"/>
+          </p:cNvPicPr>
+          <p:nvPr/>
+        </p:nvPicPr>
+        <p:blipFill>
+          <a:blip r:embed="rId7" cstate="print"/>
+          <a:srcRect/>
+          <a:stretch>
+            <a:fillRect/>
+          </a:stretch>
+        </p:blipFill>
+        <p:spPr bwMode="auto">
+          <a:xfrm>
+            <a:off x="5940152" y="4797152"/>
+            <a:ext cx="936104" cy="936104"/>
+          </a:xfrm>
+          <a:prstGeom prst="rect">
+            <a:avLst/>
+          </a:prstGeom>
+          <a:noFill/>
+        </p:spPr>
+      </p:pic>
+    </p:spTree>
+  </p:cSld>
+  <p:clrMapOvr>
+    <a:masterClrMapping/>
+  </p:clrMapOvr>
+</p:sld>
+</file>
+
+<file path=ppt/slides/slide30.xml><?xml version="1.0" encoding="utf-8"?>
+<p:sld xmlns:a="http://schemas.openxmlformats.org/drawingml/2006/main" xmlns:r="http://schemas.openxmlformats.org/officeDocument/2006/relationships" xmlns:p="http://schemas.openxmlformats.org/presentationml/2006/main">
+  <p:cSld>
+    <p:spTree>
+      <p:nvGrpSpPr>
+        <p:cNvPr id="1" name=""/>
+        <p:cNvGrpSpPr/>
+        <p:nvPr/>
+      </p:nvGrpSpPr>
+      <p:grpSpPr>
+        <a:xfrm>
+          <a:off x="0" y="0"/>
+          <a:ext cx="0" cy="0"/>
+          <a:chOff x="0" y="0"/>
+          <a:chExt cx="0" cy="0"/>
+        </a:xfrm>
+      </p:grpSpPr>
+      <p:sp>
+        <p:nvSpPr>
+          <p:cNvPr id="2" name="タイトル 1"/>
+          <p:cNvSpPr>
+            <a:spLocks noGrp="1"/>
+          </p:cNvSpPr>
+          <p:nvPr>
+            <p:ph type="title"/>
+          </p:nvPr>
+        </p:nvSpPr>
+        <p:spPr/>
+        <p:txBody>
+          <a:bodyPr/>
+          <a:lstStyle/>
+          <a:p>
+            <a:endParaRPr kumimoji="1" lang="ja-JP" altLang="en-US"/>
+          </a:p>
+        </p:txBody>
+      </p:sp>
+      <p:sp>
+        <p:nvSpPr>
+          <p:cNvPr id="3" name="コンテンツ プレースホルダ 2"/>
+          <p:cNvSpPr>
+            <a:spLocks noGrp="1"/>
+          </p:cNvSpPr>
+          <p:nvPr>
+            <p:ph idx="1"/>
+          </p:nvPr>
+        </p:nvSpPr>
+        <p:spPr/>
+        <p:txBody>
+          <a:bodyPr/>
+          <a:lstStyle/>
+          <a:p>
+            <a:endParaRPr kumimoji="1" lang="ja-JP" altLang="en-US"/>
+          </a:p>
+        </p:txBody>
+      </p:sp>
+    </p:spTree>
+  </p:cSld>
+  <p:clrMapOvr>
+    <a:masterClrMapping/>
+  </p:clrMapOvr>
+</p:sld>
+</file>
+
+<file path=ppt/slides/slide31.xml><?xml version="1.0" encoding="utf-8"?>
 <p:sld xmlns:a="http://schemas.openxmlformats.org/drawingml/2006/main" xmlns:r="http://schemas.openxmlformats.org/officeDocument/2006/relationships" xmlns:p="http://schemas.openxmlformats.org/presentationml/2006/main">
   <p:cSld>
     <p:spTree>
@@ -12252,270 +13873,6 @@
 </p:sld>
 </file>
 
-<file path=ppt/slides/slide3.xml><?xml version="1.0" encoding="utf-8"?>
-<p:sld xmlns:a="http://schemas.openxmlformats.org/drawingml/2006/main" xmlns:r="http://schemas.openxmlformats.org/officeDocument/2006/relationships" xmlns:p="http://schemas.openxmlformats.org/presentationml/2006/main">
-  <p:cSld>
-    <p:spTree>
-      <p:nvGrpSpPr>
-        <p:cNvPr id="1" name=""/>
-        <p:cNvGrpSpPr/>
-        <p:nvPr/>
-      </p:nvGrpSpPr>
-      <p:grpSpPr>
-        <a:xfrm>
-          <a:off x="0" y="0"/>
-          <a:ext cx="0" cy="0"/>
-          <a:chOff x="0" y="0"/>
-          <a:chExt cx="0" cy="0"/>
-        </a:xfrm>
-      </p:grpSpPr>
-      <p:sp>
-        <p:nvSpPr>
-          <p:cNvPr id="2" name="タイトル 1"/>
-          <p:cNvSpPr>
-            <a:spLocks noGrp="1"/>
-          </p:cNvSpPr>
-          <p:nvPr>
-            <p:ph type="title"/>
-          </p:nvPr>
-        </p:nvSpPr>
-        <p:spPr>
-          <a:xfrm>
-            <a:off x="323528" y="476672"/>
-            <a:ext cx="8229600" cy="1066800"/>
-          </a:xfrm>
-        </p:spPr>
-        <p:txBody>
-          <a:bodyPr>
-            <a:normAutofit/>
-          </a:bodyPr>
-          <a:lstStyle/>
-          <a:p>
-            <a:r>
-              <a:rPr lang="ja-JP" altLang="en-US" dirty="0" smtClean="0">
-                <a:latin typeface="HGS明朝B" pitchFamily="18" charset="-128"/>
-                <a:ea typeface="HGS明朝B" pitchFamily="18" charset="-128"/>
-              </a:rPr>
-              <a:t>自律認識ラジコン試作零号機</a:t>
-            </a:r>
-            <a:endParaRPr kumimoji="1" lang="ja-JP" altLang="en-US" dirty="0"/>
-          </a:p>
-        </p:txBody>
-      </p:sp>
-      <p:sp>
-        <p:nvSpPr>
-          <p:cNvPr id="3" name="コンテンツ プレースホルダ 2"/>
-          <p:cNvSpPr>
-            <a:spLocks noGrp="1"/>
-          </p:cNvSpPr>
-          <p:nvPr>
-            <p:ph idx="1"/>
-          </p:nvPr>
-        </p:nvSpPr>
-        <p:spPr>
-          <a:xfrm>
-            <a:off x="457200" y="1700808"/>
-            <a:ext cx="8229600" cy="4873728"/>
-          </a:xfrm>
-        </p:spPr>
-        <p:txBody>
-          <a:bodyPr/>
-          <a:lstStyle/>
-          <a:p>
-            <a:r>
-              <a:rPr kumimoji="1" lang="ja-JP" altLang="en-US" dirty="0" smtClean="0"/>
-              <a:t>担当パート</a:t>
-            </a:r>
-            <a:endParaRPr kumimoji="1" lang="en-US" altLang="ja-JP" dirty="0" smtClean="0"/>
-          </a:p>
-          <a:p>
-            <a:pPr lvl="1"/>
-            <a:r>
-              <a:rPr lang="ja-JP" altLang="en-US" dirty="0" smtClean="0"/>
-              <a:t>画像認識・音声認識</a:t>
-            </a:r>
-            <a:endParaRPr lang="en-US" altLang="ja-JP" dirty="0" smtClean="0"/>
-          </a:p>
-          <a:p>
-            <a:pPr lvl="2"/>
-            <a:r>
-              <a:rPr kumimoji="1" lang="ja-JP" altLang="en-US" dirty="0" smtClean="0"/>
-              <a:t>青井　黒川　梁</a:t>
-            </a:r>
-            <a:endParaRPr kumimoji="1" lang="en-US" altLang="ja-JP" dirty="0" smtClean="0"/>
-          </a:p>
-          <a:p>
-            <a:pPr lvl="1"/>
-            <a:endParaRPr lang="en-US" altLang="ja-JP" dirty="0" smtClean="0"/>
-          </a:p>
-          <a:p>
-            <a:pPr lvl="1"/>
-            <a:endParaRPr kumimoji="1" lang="en-US" altLang="ja-JP" dirty="0" smtClean="0"/>
-          </a:p>
-          <a:p>
-            <a:pPr lvl="1"/>
-            <a:r>
-              <a:rPr lang="ja-JP" altLang="en-US" dirty="0" smtClean="0"/>
-              <a:t>ラジコン制作・マイコンプログラム</a:t>
-            </a:r>
-            <a:endParaRPr lang="en-US" altLang="ja-JP" dirty="0" smtClean="0"/>
-          </a:p>
-          <a:p>
-            <a:pPr lvl="2"/>
-            <a:r>
-              <a:rPr kumimoji="1" lang="ja-JP" altLang="en-US" dirty="0" smtClean="0"/>
-              <a:t>牛丸　</a:t>
-            </a:r>
-            <a:r>
-              <a:rPr kumimoji="1" lang="ja-JP" altLang="en-US" dirty="0" err="1" smtClean="0"/>
-              <a:t>貝ヶ</a:t>
-            </a:r>
-            <a:r>
-              <a:rPr kumimoji="1" lang="ja-JP" altLang="en-US" dirty="0" smtClean="0"/>
-              <a:t>石</a:t>
-            </a:r>
-            <a:endParaRPr kumimoji="1" lang="ja-JP" altLang="en-US" dirty="0"/>
-          </a:p>
-        </p:txBody>
-      </p:sp>
-      <p:pic>
-        <p:nvPicPr>
-          <p:cNvPr id="4" name="Picture 2" descr="C:\Users\t2ladmin\Documents\Visual Studio 2010\Projects\FaceRecognition3\FaceRecognition3\faces\aoi50\aoikai0002.bmp"/>
-          <p:cNvPicPr>
-            <a:picLocks noChangeAspect="1" noChangeArrowheads="1"/>
-          </p:cNvPicPr>
-          <p:nvPr/>
-        </p:nvPicPr>
-        <p:blipFill>
-          <a:blip r:embed="rId3" cstate="print"/>
-          <a:srcRect/>
-          <a:stretch>
-            <a:fillRect/>
-          </a:stretch>
-        </p:blipFill>
-        <p:spPr bwMode="auto">
-          <a:xfrm>
-            <a:off x="4932040" y="2708920"/>
-            <a:ext cx="951160" cy="951160"/>
-          </a:xfrm>
-          <a:prstGeom prst="rect">
-            <a:avLst/>
-          </a:prstGeom>
-          <a:noFill/>
-        </p:spPr>
-      </p:pic>
-      <p:pic>
-        <p:nvPicPr>
-          <p:cNvPr id="6" name="Picture 4" descr="C:\Users\t2ladmin\Documents\Visual Studio 2010\Projects\FaceRecognition3\FaceRecognition3\faces\liang50\liang0008.bmp"/>
-          <p:cNvPicPr>
-            <a:picLocks noChangeAspect="1" noChangeArrowheads="1"/>
-          </p:cNvPicPr>
-          <p:nvPr/>
-        </p:nvPicPr>
-        <p:blipFill>
-          <a:blip r:embed="rId4" cstate="print"/>
-          <a:srcRect/>
-          <a:stretch>
-            <a:fillRect/>
-          </a:stretch>
-        </p:blipFill>
-        <p:spPr bwMode="auto">
-          <a:xfrm>
-            <a:off x="7164288" y="2708920"/>
-            <a:ext cx="936104" cy="936104"/>
-          </a:xfrm>
-          <a:prstGeom prst="rect">
-            <a:avLst/>
-          </a:prstGeom>
-          <a:noFill/>
-        </p:spPr>
-      </p:pic>
-      <p:pic>
-        <p:nvPicPr>
-          <p:cNvPr id="57346" name="Picture 2" descr="C:\Users\t2ladmin\Documents\Visual Studio 2010\Projects\FaceRecognition3\FaceRecognition3\faces\kuro3\kuro30007.bmp"/>
-          <p:cNvPicPr>
-            <a:picLocks noChangeAspect="1" noChangeArrowheads="1"/>
-          </p:cNvPicPr>
-          <p:nvPr/>
-        </p:nvPicPr>
-        <p:blipFill>
-          <a:blip r:embed="rId5" cstate="print"/>
-          <a:srcRect/>
-          <a:stretch>
-            <a:fillRect/>
-          </a:stretch>
-        </p:blipFill>
-        <p:spPr bwMode="auto">
-          <a:xfrm>
-            <a:off x="6084168" y="2708920"/>
-            <a:ext cx="936104" cy="936104"/>
-          </a:xfrm>
-          <a:prstGeom prst="rect">
-            <a:avLst/>
-          </a:prstGeom>
-          <a:noFill/>
-        </p:spPr>
-      </p:pic>
-      <p:pic>
-        <p:nvPicPr>
-          <p:cNvPr id="57347" name="Picture 3" descr="C:\Users\t2ladmin\Documents\Visual Studio 2010\Projects\FaceRecognition3\FaceRecognition3\faces\shell3\shell30118.bmp"/>
-          <p:cNvPicPr>
-            <a:picLocks noChangeAspect="1" noChangeArrowheads="1"/>
-          </p:cNvPicPr>
-          <p:nvPr/>
-        </p:nvPicPr>
-        <p:blipFill>
-          <a:blip r:embed="rId6" cstate="print"/>
-          <a:srcRect/>
-          <a:stretch>
-            <a:fillRect/>
-          </a:stretch>
-        </p:blipFill>
-        <p:spPr bwMode="auto">
-          <a:xfrm>
-            <a:off x="7020272" y="4797152"/>
-            <a:ext cx="936104" cy="936104"/>
-          </a:xfrm>
-          <a:prstGeom prst="rect">
-            <a:avLst/>
-          </a:prstGeom>
-          <a:noFill/>
-        </p:spPr>
-      </p:pic>
-      <p:pic>
-        <p:nvPicPr>
-          <p:cNvPr id="57348" name="Picture 4" descr="C:\Users\t2ladmin\Documents\Visual Studio 2010\Projects\FaceRecognition3\FaceRecognition3\faces\ushi3\ushi30023.bmp"/>
-          <p:cNvPicPr>
-            <a:picLocks noChangeAspect="1" noChangeArrowheads="1"/>
-          </p:cNvPicPr>
-          <p:nvPr/>
-        </p:nvPicPr>
-        <p:blipFill>
-          <a:blip r:embed="rId7" cstate="print"/>
-          <a:srcRect/>
-          <a:stretch>
-            <a:fillRect/>
-          </a:stretch>
-        </p:blipFill>
-        <p:spPr bwMode="auto">
-          <a:xfrm>
-            <a:off x="5940152" y="4797152"/>
-            <a:ext cx="936104" cy="936104"/>
-          </a:xfrm>
-          <a:prstGeom prst="rect">
-            <a:avLst/>
-          </a:prstGeom>
-          <a:noFill/>
-        </p:spPr>
-      </p:pic>
-    </p:spTree>
-  </p:cSld>
-  <p:clrMapOvr>
-    <a:masterClrMapping/>
-  </p:clrMapOvr>
-</p:sld>
-</file>
-
 <file path=ppt/slides/slide4.xml><?xml version="1.0" encoding="utf-8"?>
 <p:sld xmlns:a="http://schemas.openxmlformats.org/drawingml/2006/main" xmlns:r="http://schemas.openxmlformats.org/officeDocument/2006/relationships" xmlns:p="http://schemas.openxmlformats.org/presentationml/2006/main">
   <p:cSld>
@@ -12626,7 +13983,15 @@
             <a:pPr lvl="1"/>
             <a:r>
               <a:rPr lang="ja-JP" altLang="en-US" dirty="0" smtClean="0"/>
-              <a:t>２人なら問題なく識別可能</a:t>
+              <a:t>２人</a:t>
+            </a:r>
+            <a:r>
+              <a:rPr lang="ja-JP" altLang="en-US" dirty="0" smtClean="0"/>
+              <a:t>ならまあまあ識別</a:t>
+            </a:r>
+            <a:r>
+              <a:rPr lang="ja-JP" altLang="en-US" dirty="0" smtClean="0"/>
+              <a:t>可能</a:t>
             </a:r>
             <a:endParaRPr lang="en-US" altLang="ja-JP" dirty="0" smtClean="0"/>
           </a:p>
@@ -12634,7 +13999,11 @@
             <a:pPr lvl="1"/>
             <a:r>
               <a:rPr lang="ja-JP" altLang="en-US" dirty="0" smtClean="0"/>
-              <a:t>３人だと</a:t>
+              <a:t>３人</a:t>
+            </a:r>
+            <a:r>
+              <a:rPr lang="ja-JP" altLang="en-US" dirty="0" smtClean="0"/>
+              <a:t>以上は難しい。顔の向きが少し変わると認識結果が変わったりする。</a:t>
             </a:r>
             <a:endParaRPr lang="en-US" altLang="ja-JP" dirty="0" smtClean="0"/>
           </a:p>
@@ -14382,7 +15751,7 @@
         </p:blipFill>
         <p:spPr bwMode="auto">
           <a:xfrm>
-            <a:off x="4427984" y="3068960"/>
+            <a:off x="4427984" y="1844824"/>
             <a:ext cx="4176464" cy="3132348"/>
           </a:xfrm>
           <a:prstGeom prst="rect">
